--- a/Final Notebooks/TeamI.pptx
+++ b/Final Notebooks/TeamI.pptx
@@ -2065,9 +2065,9 @@
     <dgm:cxn modelId="{5BB16021-90FE-46D0-BC38-9EBFCA30150F}" type="presOf" srcId="{3EE09EF8-1037-4AE6-8773-7CCA7CFCD45F}" destId="{C272EF8A-4BBF-4D16-A876-A0182DFCD779}" srcOrd="0" destOrd="0" presId="urn:microsoft.com/office/officeart/2005/8/layout/vList2"/>
     <dgm:cxn modelId="{C256EB35-6314-4038-BEB1-95EDD0ADAD25}" type="presOf" srcId="{CAA280DD-2BB8-45C4-B032-EE6227826235}" destId="{CF3BC6F1-31A4-4665-8947-F336534D6969}" srcOrd="0" destOrd="0" presId="urn:microsoft.com/office/officeart/2005/8/layout/vList2"/>
     <dgm:cxn modelId="{5A1BD237-316D-46FA-85BF-5C47136579B0}" type="presOf" srcId="{B1103749-B44A-4CAE-BE6C-53453A96C0D9}" destId="{453DDEA1-8A02-4307-A353-90CB99BFCEFB}" srcOrd="0" destOrd="0" presId="urn:microsoft.com/office/officeart/2005/8/layout/vList2"/>
-    <dgm:cxn modelId="{8944425D-0606-4430-B32B-B033E8B80CF0}" srcId="{4721A7DB-C6F6-40C1-A8D2-895EA272182B}" destId="{E9E7C163-943B-4DAE-A87B-F8A1EFC1AF0A}" srcOrd="4" destOrd="0" parTransId="{0C8F2AA9-8FDF-4E76-BC94-5E9E6D5A3C7C}" sibTransId="{0674D0BC-79B7-48CB-A2FB-A9D9622693E3}"/>
     <dgm:cxn modelId="{7F151C49-5970-4E62-871D-6F862FD85F46}" srcId="{4721A7DB-C6F6-40C1-A8D2-895EA272182B}" destId="{3EE09EF8-1037-4AE6-8773-7CCA7CFCD45F}" srcOrd="6" destOrd="0" parTransId="{3481815E-B64C-41F0-9A7C-7E7E6D702994}" sibTransId="{4D473EC3-42CD-458F-93EE-611F803F4B29}"/>
     <dgm:cxn modelId="{E69DDD51-50E0-4EAD-81EF-C3613B17B551}" srcId="{4721A7DB-C6F6-40C1-A8D2-895EA272182B}" destId="{CAA280DD-2BB8-45C4-B032-EE6227826235}" srcOrd="7" destOrd="0" parTransId="{BF73BCFE-E312-4B4E-A1E6-6951ABAFA8B2}" sibTransId="{10FEE7E6-4BF8-487C-BCA0-CA6185218ED7}"/>
+    <dgm:cxn modelId="{8944425D-0606-4430-B32B-B033E8B80CF0}" srcId="{4721A7DB-C6F6-40C1-A8D2-895EA272182B}" destId="{E9E7C163-943B-4DAE-A87B-F8A1EFC1AF0A}" srcOrd="4" destOrd="0" parTransId="{0C8F2AA9-8FDF-4E76-BC94-5E9E6D5A3C7C}" sibTransId="{0674D0BC-79B7-48CB-A2FB-A9D9622693E3}"/>
     <dgm:cxn modelId="{3FB24E90-DCF0-4C65-9A7B-C5148DA8572C}" srcId="{4721A7DB-C6F6-40C1-A8D2-895EA272182B}" destId="{B1103749-B44A-4CAE-BE6C-53453A96C0D9}" srcOrd="1" destOrd="0" parTransId="{DCE7F75C-87BC-47D9-9693-68244309043C}" sibTransId="{0F8D8068-649F-46B3-882F-72ED35146EF2}"/>
     <dgm:cxn modelId="{C2310891-2FC0-4157-ADBA-580DBDCD4E2D}" type="presOf" srcId="{53A4181D-2CB8-4007-94DD-32D687B898AB}" destId="{9E0E0880-F3BD-4B71-A0E1-0982A30F9CAB}" srcOrd="0" destOrd="0" presId="urn:microsoft.com/office/officeart/2005/8/layout/vList2"/>
     <dgm:cxn modelId="{C6EA6796-5829-4466-A472-17769CA21DAC}" type="presOf" srcId="{4D8CA055-D99D-4FE5-B559-DD3D583546D2}" destId="{81E80E99-222C-49DB-AE10-4EAC9DCEE1D3}" srcOrd="0" destOrd="0" presId="urn:microsoft.com/office/officeart/2005/8/layout/vList2"/>
@@ -5895,7 +5895,7 @@
           <a:p>
             <a:fld id="{1EBEDD12-BCD5-485B-BCBC-34BB01D7923C}" type="datetimeFigureOut">
               <a:rPr lang="en-US" smtClean="0"/>
-              <a:t>4/30/2024</a:t>
+              <a:t>5/1/24</a:t>
             </a:fld>
             <a:endParaRPr lang="en-US" dirty="0"/>
           </a:p>
@@ -6109,7 +6109,7 @@
           <a:p>
             <a:fld id="{6EE7A52F-9D89-7442-A8E9-48D1527B5F6B}" type="datetimeFigureOut">
               <a:rPr lang="en-US" smtClean="0"/>
-              <a:t>4/30/2024</a:t>
+              <a:t>5/1/24</a:t>
             </a:fld>
             <a:endParaRPr lang="en-US" dirty="0"/>
           </a:p>
@@ -17651,6 +17651,294 @@
           </a:p>
         </p:txBody>
       </p:sp>
+      <p:pic>
+        <p:nvPicPr>
+          <p:cNvPr id="6" name="Picture 5" descr="A blue and orange circle with text&#10;&#10;Description automatically generated">
+            <a:extLst>
+              <a:ext uri="{FF2B5EF4-FFF2-40B4-BE49-F238E27FC236}">
+                <a16:creationId xmlns:a16="http://schemas.microsoft.com/office/drawing/2014/main" id="{A4BBC0D6-5124-64C8-B3BA-65B163CDDBC7}"/>
+              </a:ext>
+            </a:extLst>
+          </p:cNvPr>
+          <p:cNvPicPr>
+            <a:picLocks noChangeAspect="1"/>
+          </p:cNvPicPr>
+          <p:nvPr/>
+        </p:nvPicPr>
+        <p:blipFill>
+          <a:blip r:embed="rId3">
+            <a:extLst>
+              <a:ext uri="{28A0092B-C50C-407E-A947-70E740481C1C}">
+                <a14:useLocalDpi xmlns:a14="http://schemas.microsoft.com/office/drawing/2010/main" val="0"/>
+              </a:ext>
+            </a:extLst>
+          </a:blip>
+          <a:stretch>
+            <a:fillRect/>
+          </a:stretch>
+        </p:blipFill>
+        <p:spPr>
+          <a:xfrm>
+            <a:off x="3746944" y="4927641"/>
+            <a:ext cx="1941830" cy="1692253"/>
+          </a:xfrm>
+          <a:prstGeom prst="rect">
+            <a:avLst/>
+          </a:prstGeom>
+        </p:spPr>
+      </p:pic>
+      <p:pic>
+        <p:nvPicPr>
+          <p:cNvPr id="8" name="Picture 7" descr="A graph with numbers and colored squares&#10;&#10;Description automatically generated">
+            <a:extLst>
+              <a:ext uri="{FF2B5EF4-FFF2-40B4-BE49-F238E27FC236}">
+                <a16:creationId xmlns:a16="http://schemas.microsoft.com/office/drawing/2014/main" id="{1A34B087-82DD-7464-919F-7C1B9151958D}"/>
+              </a:ext>
+            </a:extLst>
+          </p:cNvPr>
+          <p:cNvPicPr>
+            <a:picLocks noChangeAspect="1"/>
+          </p:cNvPicPr>
+          <p:nvPr/>
+        </p:nvPicPr>
+        <p:blipFill>
+          <a:blip r:embed="rId4">
+            <a:extLst>
+              <a:ext uri="{28A0092B-C50C-407E-A947-70E740481C1C}">
+                <a14:useLocalDpi xmlns:a14="http://schemas.microsoft.com/office/drawing/2010/main" val="0"/>
+              </a:ext>
+            </a:extLst>
+          </a:blip>
+          <a:stretch>
+            <a:fillRect/>
+          </a:stretch>
+        </p:blipFill>
+        <p:spPr>
+          <a:xfrm>
+            <a:off x="3410513" y="23553"/>
+            <a:ext cx="4862448" cy="2419701"/>
+          </a:xfrm>
+          <a:prstGeom prst="rect">
+            <a:avLst/>
+          </a:prstGeom>
+        </p:spPr>
+      </p:pic>
+      <p:pic>
+        <p:nvPicPr>
+          <p:cNvPr id="10" name="Picture 9" descr="A pie chart with text on it&#10;&#10;Description automatically generated">
+            <a:extLst>
+              <a:ext uri="{FF2B5EF4-FFF2-40B4-BE49-F238E27FC236}">
+                <a16:creationId xmlns:a16="http://schemas.microsoft.com/office/drawing/2014/main" id="{B952414E-5D4C-B306-F22A-1CF08920F22C}"/>
+              </a:ext>
+            </a:extLst>
+          </p:cNvPr>
+          <p:cNvPicPr>
+            <a:picLocks noChangeAspect="1"/>
+          </p:cNvPicPr>
+          <p:nvPr/>
+        </p:nvPicPr>
+        <p:blipFill>
+          <a:blip r:embed="rId5">
+            <a:extLst>
+              <a:ext uri="{28A0092B-C50C-407E-A947-70E740481C1C}">
+                <a14:useLocalDpi xmlns:a14="http://schemas.microsoft.com/office/drawing/2010/main" val="0"/>
+              </a:ext>
+            </a:extLst>
+          </a:blip>
+          <a:stretch>
+            <a:fillRect/>
+          </a:stretch>
+        </p:blipFill>
+        <p:spPr>
+          <a:xfrm>
+            <a:off x="9291320" y="2443255"/>
+            <a:ext cx="2935113" cy="2494382"/>
+          </a:xfrm>
+          <a:prstGeom prst="rect">
+            <a:avLst/>
+          </a:prstGeom>
+        </p:spPr>
+      </p:pic>
+      <p:pic>
+        <p:nvPicPr>
+          <p:cNvPr id="12" name="Picture 11" descr="A graph with numbers and a bar&#10;&#10;Description automatically generated">
+            <a:extLst>
+              <a:ext uri="{FF2B5EF4-FFF2-40B4-BE49-F238E27FC236}">
+                <a16:creationId xmlns:a16="http://schemas.microsoft.com/office/drawing/2014/main" id="{8793BE5A-E1F5-0C1D-BA7A-768393C9F1D7}"/>
+              </a:ext>
+            </a:extLst>
+          </p:cNvPr>
+          <p:cNvPicPr>
+            <a:picLocks noChangeAspect="1"/>
+          </p:cNvPicPr>
+          <p:nvPr/>
+        </p:nvPicPr>
+        <p:blipFill>
+          <a:blip r:embed="rId6">
+            <a:extLst>
+              <a:ext uri="{28A0092B-C50C-407E-A947-70E740481C1C}">
+                <a14:useLocalDpi xmlns:a14="http://schemas.microsoft.com/office/drawing/2010/main" val="0"/>
+              </a:ext>
+            </a:extLst>
+          </a:blip>
+          <a:stretch>
+            <a:fillRect/>
+          </a:stretch>
+        </p:blipFill>
+        <p:spPr>
+          <a:xfrm>
+            <a:off x="0" y="23553"/>
+            <a:ext cx="3410513" cy="3143250"/>
+          </a:xfrm>
+          <a:prstGeom prst="rect">
+            <a:avLst/>
+          </a:prstGeom>
+        </p:spPr>
+      </p:pic>
+      <p:pic>
+        <p:nvPicPr>
+          <p:cNvPr id="14" name="Picture 13" descr="A colorful circle with numbers and text&#10;&#10;Description automatically generated with medium confidence">
+            <a:extLst>
+              <a:ext uri="{FF2B5EF4-FFF2-40B4-BE49-F238E27FC236}">
+                <a16:creationId xmlns:a16="http://schemas.microsoft.com/office/drawing/2014/main" id="{2C6F7320-51D8-9D24-87E3-81E3E5E5D777}"/>
+              </a:ext>
+            </a:extLst>
+          </p:cNvPr>
+          <p:cNvPicPr>
+            <a:picLocks noChangeAspect="1"/>
+          </p:cNvPicPr>
+          <p:nvPr/>
+        </p:nvPicPr>
+        <p:blipFill>
+          <a:blip r:embed="rId7">
+            <a:extLst>
+              <a:ext uri="{28A0092B-C50C-407E-A947-70E740481C1C}">
+                <a14:useLocalDpi xmlns:a14="http://schemas.microsoft.com/office/drawing/2010/main" val="0"/>
+              </a:ext>
+            </a:extLst>
+          </a:blip>
+          <a:stretch>
+            <a:fillRect/>
+          </a:stretch>
+        </p:blipFill>
+        <p:spPr>
+          <a:xfrm>
+            <a:off x="6356207" y="2443254"/>
+            <a:ext cx="2935113" cy="2148982"/>
+          </a:xfrm>
+          <a:prstGeom prst="rect">
+            <a:avLst/>
+          </a:prstGeom>
+        </p:spPr>
+      </p:pic>
+      <p:pic>
+        <p:nvPicPr>
+          <p:cNvPr id="16" name="Picture 15" descr="A pie chart with numbers and text&#10;&#10;Description automatically generated">
+            <a:extLst>
+              <a:ext uri="{FF2B5EF4-FFF2-40B4-BE49-F238E27FC236}">
+                <a16:creationId xmlns:a16="http://schemas.microsoft.com/office/drawing/2014/main" id="{DE2B6252-F30E-149D-6521-1557C2783AB2}"/>
+              </a:ext>
+            </a:extLst>
+          </p:cNvPr>
+          <p:cNvPicPr>
+            <a:picLocks noChangeAspect="1"/>
+          </p:cNvPicPr>
+          <p:nvPr/>
+        </p:nvPicPr>
+        <p:blipFill>
+          <a:blip r:embed="rId8">
+            <a:extLst>
+              <a:ext uri="{28A0092B-C50C-407E-A947-70E740481C1C}">
+                <a14:useLocalDpi xmlns:a14="http://schemas.microsoft.com/office/drawing/2010/main" val="0"/>
+              </a:ext>
+            </a:extLst>
+          </a:blip>
+          <a:stretch>
+            <a:fillRect/>
+          </a:stretch>
+        </p:blipFill>
+        <p:spPr>
+          <a:xfrm>
+            <a:off x="3598635" y="2542860"/>
+            <a:ext cx="2845763" cy="2108200"/>
+          </a:xfrm>
+          <a:prstGeom prst="rect">
+            <a:avLst/>
+          </a:prstGeom>
+        </p:spPr>
+      </p:pic>
+      <p:pic>
+        <p:nvPicPr>
+          <p:cNvPr id="18" name="Picture 17" descr="A graph of crash on a white background&#10;&#10;Description automatically generated">
+            <a:extLst>
+              <a:ext uri="{FF2B5EF4-FFF2-40B4-BE49-F238E27FC236}">
+                <a16:creationId xmlns:a16="http://schemas.microsoft.com/office/drawing/2014/main" id="{940F65D1-E7C4-BD1A-BF63-B0E084EFFA8C}"/>
+              </a:ext>
+            </a:extLst>
+          </p:cNvPr>
+          <p:cNvPicPr>
+            <a:picLocks noChangeAspect="1"/>
+          </p:cNvPicPr>
+          <p:nvPr/>
+        </p:nvPicPr>
+        <p:blipFill>
+          <a:blip r:embed="rId9">
+            <a:extLst>
+              <a:ext uri="{28A0092B-C50C-407E-A947-70E740481C1C}">
+                <a14:useLocalDpi xmlns:a14="http://schemas.microsoft.com/office/drawing/2010/main" val="0"/>
+              </a:ext>
+            </a:extLst>
+          </a:blip>
+          <a:stretch>
+            <a:fillRect/>
+          </a:stretch>
+        </p:blipFill>
+        <p:spPr>
+          <a:xfrm>
+            <a:off x="67459" y="3166803"/>
+            <a:ext cx="3431494" cy="2741164"/>
+          </a:xfrm>
+          <a:prstGeom prst="rect">
+            <a:avLst/>
+          </a:prstGeom>
+        </p:spPr>
+      </p:pic>
+      <p:pic>
+        <p:nvPicPr>
+          <p:cNvPr id="20" name="Picture 19" descr="A graph of a crash and crash&#10;&#10;Description automatically generated with medium confidence">
+            <a:extLst>
+              <a:ext uri="{FF2B5EF4-FFF2-40B4-BE49-F238E27FC236}">
+                <a16:creationId xmlns:a16="http://schemas.microsoft.com/office/drawing/2014/main" id="{B9DA3218-43BF-E1DE-F7A5-0E38CDA0ED12}"/>
+              </a:ext>
+            </a:extLst>
+          </p:cNvPr>
+          <p:cNvPicPr>
+            <a:picLocks noChangeAspect="1"/>
+          </p:cNvPicPr>
+          <p:nvPr/>
+        </p:nvPicPr>
+        <p:blipFill>
+          <a:blip r:embed="rId10">
+            <a:extLst>
+              <a:ext uri="{28A0092B-C50C-407E-A947-70E740481C1C}">
+                <a14:useLocalDpi xmlns:a14="http://schemas.microsoft.com/office/drawing/2010/main" val="0"/>
+              </a:ext>
+            </a:extLst>
+          </a:blip>
+          <a:stretch>
+            <a:fillRect/>
+          </a:stretch>
+        </p:blipFill>
+        <p:spPr>
+          <a:xfrm>
+            <a:off x="8272961" y="-1"/>
+            <a:ext cx="3919039" cy="2443255"/>
+          </a:xfrm>
+          <a:prstGeom prst="rect">
+            <a:avLst/>
+          </a:prstGeom>
+        </p:spPr>
+      </p:pic>
     </p:spTree>
     <p:extLst>
       <p:ext uri="{BB962C8B-B14F-4D97-AF65-F5344CB8AC3E}">
@@ -18740,20 +19028,20 @@
 </file>
 
 <file path=customXml/item2.xml><?xml version="1.0" encoding="utf-8"?>
+<p:properties xmlns:p="http://schemas.microsoft.com/office/2006/metadata/properties" xmlns:xsi="http://www.w3.org/2001/XMLSchema-instance" xmlns:pc="http://schemas.microsoft.com/office/infopath/2007/PartnerControls">
+  <documentManagement>
+    <_activity xmlns="74c2638e-70d0-4fe8-b552-da195275d8cd" xsi:nil="true"/>
+  </documentManagement>
+</p:properties>
+</file>
+
+<file path=customXml/item3.xml><?xml version="1.0" encoding="utf-8"?>
 <?mso-contentType ?>
 <FormTemplates xmlns="http://schemas.microsoft.com/sharepoint/v3/contenttype/forms">
   <Display>DocumentLibraryForm</Display>
   <Edit>DocumentLibraryForm</Edit>
   <New>DocumentLibraryForm</New>
 </FormTemplates>
-</file>
-
-<file path=customXml/item3.xml><?xml version="1.0" encoding="utf-8"?>
-<p:properties xmlns:p="http://schemas.microsoft.com/office/2006/metadata/properties" xmlns:xsi="http://www.w3.org/2001/XMLSchema-instance" xmlns:pc="http://schemas.microsoft.com/office/infopath/2007/PartnerControls">
-  <documentManagement>
-    <_activity xmlns="74c2638e-70d0-4fe8-b552-da195275d8cd" xsi:nil="true"/>
-  </documentManagement>
-</p:properties>
 </file>
 
 <file path=customXml/itemProps1.xml><?xml version="1.0" encoding="utf-8"?>
@@ -18776,14 +19064,6 @@
 </file>
 
 <file path=customXml/itemProps2.xml><?xml version="1.0" encoding="utf-8"?>
-<ds:datastoreItem xmlns:ds="http://schemas.openxmlformats.org/officeDocument/2006/customXml" ds:itemID="{C21FFAC0-05A2-416A-B06C-C248395482CF}">
-  <ds:schemaRefs>
-    <ds:schemaRef ds:uri="http://schemas.microsoft.com/sharepoint/v3/contenttype/forms"/>
-  </ds:schemaRefs>
-</ds:datastoreItem>
-</file>
-
-<file path=customXml/itemProps3.xml><?xml version="1.0" encoding="utf-8"?>
 <ds:datastoreItem xmlns:ds="http://schemas.openxmlformats.org/officeDocument/2006/customXml" ds:itemID="{4F4B194E-8B30-4377-8C59-ECFB902D2A26}">
   <ds:schemaRefs>
     <ds:schemaRef ds:uri="http://www.w3.org/XML/1998/namespace"/>
@@ -18800,6 +19080,14 @@
 </ds:datastoreItem>
 </file>
 
+<file path=customXml/itemProps3.xml><?xml version="1.0" encoding="utf-8"?>
+<ds:datastoreItem xmlns:ds="http://schemas.openxmlformats.org/officeDocument/2006/customXml" ds:itemID="{C21FFAC0-05A2-416A-B06C-C248395482CF}">
+  <ds:schemaRefs>
+    <ds:schemaRef ds:uri="http://schemas.microsoft.com/sharepoint/v3/contenttype/forms"/>
+  </ds:schemaRefs>
+</ds:datastoreItem>
+</file>
+
 <file path=docMetadata/LabelInfo.xml><?xml version="1.0" encoding="utf-8"?>
 <clbl:labelList xmlns:clbl="http://schemas.microsoft.com/office/2020/mipLabelMetadata"/>
 </file>
--- a/Final Notebooks/TeamI.pptx
+++ b/Final Notebooks/TeamI.pptx
@@ -17636,8 +17636,8 @@
         </p:nvSpPr>
         <p:spPr>
           <a:xfrm>
-            <a:off x="6356207" y="5421085"/>
-            <a:ext cx="4939666" cy="705367"/>
+            <a:off x="6356207" y="5589270"/>
+            <a:ext cx="3382153" cy="537182"/>
           </a:xfrm>
         </p:spPr>
         <p:txBody>
@@ -17645,7 +17645,7 @@
           <a:lstStyle/>
           <a:p>
             <a:r>
-              <a:rPr lang="en-US" dirty="0"/>
+              <a:rPr lang="en-US" sz="3600" dirty="0"/>
               <a:t>Drivers Insights</a:t>
             </a:r>
           </a:p>
@@ -17716,7 +17716,7 @@
         <p:spPr>
           <a:xfrm>
             <a:off x="3410513" y="23553"/>
-            <a:ext cx="4862448" cy="2419701"/>
+            <a:ext cx="4224727" cy="2419701"/>
           </a:xfrm>
           <a:prstGeom prst="rect">
             <a:avLst/>
@@ -17751,7 +17751,7 @@
         </p:blipFill>
         <p:spPr>
           <a:xfrm>
-            <a:off x="9291320" y="2443255"/>
+            <a:off x="6355805" y="2433259"/>
             <a:ext cx="2935113" cy="2494382"/>
           </a:xfrm>
           <a:prstGeom prst="rect">
@@ -17823,8 +17823,8 @@
         </p:blipFill>
         <p:spPr>
           <a:xfrm>
-            <a:off x="6356207" y="2443254"/>
-            <a:ext cx="2935113" cy="2148982"/>
+            <a:off x="9256589" y="2443254"/>
+            <a:ext cx="2935411" cy="2494382"/>
           </a:xfrm>
           <a:prstGeom prst="rect">
             <a:avLst/>
@@ -17931,8 +17931,8 @@
         </p:blipFill>
         <p:spPr>
           <a:xfrm>
-            <a:off x="8272961" y="-1"/>
-            <a:ext cx="3919039" cy="2443255"/>
+            <a:off x="7635241" y="-1"/>
+            <a:ext cx="4556760" cy="2443255"/>
           </a:xfrm>
           <a:prstGeom prst="rect">
             <a:avLst/>

--- a/Final Notebooks/TeamI.pptx
+++ b/Final Notebooks/TeamI.pptx
@@ -17715,7 +17715,7 @@
         </p:blipFill>
         <p:spPr>
           <a:xfrm>
-            <a:off x="3410513" y="23553"/>
+            <a:off x="3410513" y="-15132"/>
             <a:ext cx="4224727" cy="2419701"/>
           </a:xfrm>
           <a:prstGeom prst="rect">
@@ -17823,7 +17823,7 @@
         </p:blipFill>
         <p:spPr>
           <a:xfrm>
-            <a:off x="9256589" y="2443254"/>
+            <a:off x="9270740" y="2349769"/>
             <a:ext cx="2935411" cy="2494382"/>
           </a:xfrm>
           <a:prstGeom prst="rect">
@@ -17931,7 +17931,7 @@
         </p:blipFill>
         <p:spPr>
           <a:xfrm>
-            <a:off x="7635241" y="-1"/>
+            <a:off x="7615749" y="11775"/>
             <a:ext cx="4556760" cy="2443255"/>
           </a:xfrm>
           <a:prstGeom prst="rect">

--- a/Final Notebooks/TeamI.pptx
+++ b/Final Notebooks/TeamI.pptx
@@ -2065,9 +2065,9 @@
     <dgm:cxn modelId="{5BB16021-90FE-46D0-BC38-9EBFCA30150F}" type="presOf" srcId="{3EE09EF8-1037-4AE6-8773-7CCA7CFCD45F}" destId="{C272EF8A-4BBF-4D16-A876-A0182DFCD779}" srcOrd="0" destOrd="0" presId="urn:microsoft.com/office/officeart/2005/8/layout/vList2"/>
     <dgm:cxn modelId="{C256EB35-6314-4038-BEB1-95EDD0ADAD25}" type="presOf" srcId="{CAA280DD-2BB8-45C4-B032-EE6227826235}" destId="{CF3BC6F1-31A4-4665-8947-F336534D6969}" srcOrd="0" destOrd="0" presId="urn:microsoft.com/office/officeart/2005/8/layout/vList2"/>
     <dgm:cxn modelId="{5A1BD237-316D-46FA-85BF-5C47136579B0}" type="presOf" srcId="{B1103749-B44A-4CAE-BE6C-53453A96C0D9}" destId="{453DDEA1-8A02-4307-A353-90CB99BFCEFB}" srcOrd="0" destOrd="0" presId="urn:microsoft.com/office/officeart/2005/8/layout/vList2"/>
+    <dgm:cxn modelId="{8944425D-0606-4430-B32B-B033E8B80CF0}" srcId="{4721A7DB-C6F6-40C1-A8D2-895EA272182B}" destId="{E9E7C163-943B-4DAE-A87B-F8A1EFC1AF0A}" srcOrd="4" destOrd="0" parTransId="{0C8F2AA9-8FDF-4E76-BC94-5E9E6D5A3C7C}" sibTransId="{0674D0BC-79B7-48CB-A2FB-A9D9622693E3}"/>
     <dgm:cxn modelId="{7F151C49-5970-4E62-871D-6F862FD85F46}" srcId="{4721A7DB-C6F6-40C1-A8D2-895EA272182B}" destId="{3EE09EF8-1037-4AE6-8773-7CCA7CFCD45F}" srcOrd="6" destOrd="0" parTransId="{3481815E-B64C-41F0-9A7C-7E7E6D702994}" sibTransId="{4D473EC3-42CD-458F-93EE-611F803F4B29}"/>
     <dgm:cxn modelId="{E69DDD51-50E0-4EAD-81EF-C3613B17B551}" srcId="{4721A7DB-C6F6-40C1-A8D2-895EA272182B}" destId="{CAA280DD-2BB8-45C4-B032-EE6227826235}" srcOrd="7" destOrd="0" parTransId="{BF73BCFE-E312-4B4E-A1E6-6951ABAFA8B2}" sibTransId="{10FEE7E6-4BF8-487C-BCA0-CA6185218ED7}"/>
-    <dgm:cxn modelId="{8944425D-0606-4430-B32B-B033E8B80CF0}" srcId="{4721A7DB-C6F6-40C1-A8D2-895EA272182B}" destId="{E9E7C163-943B-4DAE-A87B-F8A1EFC1AF0A}" srcOrd="4" destOrd="0" parTransId="{0C8F2AA9-8FDF-4E76-BC94-5E9E6D5A3C7C}" sibTransId="{0674D0BC-79B7-48CB-A2FB-A9D9622693E3}"/>
     <dgm:cxn modelId="{3FB24E90-DCF0-4C65-9A7B-C5148DA8572C}" srcId="{4721A7DB-C6F6-40C1-A8D2-895EA272182B}" destId="{B1103749-B44A-4CAE-BE6C-53453A96C0D9}" srcOrd="1" destOrd="0" parTransId="{DCE7F75C-87BC-47D9-9693-68244309043C}" sibTransId="{0F8D8068-649F-46B3-882F-72ED35146EF2}"/>
     <dgm:cxn modelId="{C2310891-2FC0-4157-ADBA-580DBDCD4E2D}" type="presOf" srcId="{53A4181D-2CB8-4007-94DD-32D687B898AB}" destId="{9E0E0880-F3BD-4B71-A0E1-0982A30F9CAB}" srcOrd="0" destOrd="0" presId="urn:microsoft.com/office/officeart/2005/8/layout/vList2"/>
     <dgm:cxn modelId="{C6EA6796-5829-4466-A472-17769CA21DAC}" type="presOf" srcId="{4D8CA055-D99D-4FE5-B559-DD3D583546D2}" destId="{81E80E99-222C-49DB-AE10-4EAC9DCEE1D3}" srcOrd="0" destOrd="0" presId="urn:microsoft.com/office/officeart/2005/8/layout/vList2"/>
@@ -5895,7 +5895,7 @@
           <a:p>
             <a:fld id="{1EBEDD12-BCD5-485B-BCBC-34BB01D7923C}" type="datetimeFigureOut">
               <a:rPr lang="en-US" smtClean="0"/>
-              <a:t>5/1/24</a:t>
+              <a:t>4/30/2024</a:t>
             </a:fld>
             <a:endParaRPr lang="en-US" dirty="0"/>
           </a:p>
@@ -6109,7 +6109,7 @@
           <a:p>
             <a:fld id="{6EE7A52F-9D89-7442-A8E9-48D1527B5F6B}" type="datetimeFigureOut">
               <a:rPr lang="en-US" smtClean="0"/>
-              <a:t>5/1/24</a:t>
+              <a:t>4/30/2024</a:t>
             </a:fld>
             <a:endParaRPr lang="en-US" dirty="0"/>
           </a:p>
@@ -17543,8 +17543,8 @@
         </p:nvSpPr>
         <p:spPr>
           <a:xfrm>
-            <a:off x="594360" y="202400"/>
-            <a:ext cx="10972800" cy="1064425"/>
+            <a:off x="307911" y="0"/>
+            <a:ext cx="11722586" cy="1064425"/>
           </a:xfrm>
         </p:spPr>
         <p:txBody>
@@ -17552,7 +17552,7 @@
           <a:lstStyle/>
           <a:p>
             <a:r>
-              <a:rPr lang="en-IN" dirty="0"/>
+              <a:rPr lang="en-IN" sz="4800" dirty="0"/>
               <a:t>Data Architecture</a:t>
             </a:r>
           </a:p>
@@ -17580,8 +17580,8 @@
         </p:blipFill>
         <p:spPr>
           <a:xfrm>
-            <a:off x="594360" y="1321910"/>
-            <a:ext cx="11264848" cy="5333690"/>
+            <a:off x="307911" y="1186282"/>
+            <a:ext cx="11722586" cy="5550420"/>
           </a:xfrm>
           <a:prstGeom prst="rect">
             <a:avLst/>
@@ -18809,6 +18809,23 @@
 </file>
 
 <file path=customXml/item1.xml><?xml version="1.0" encoding="utf-8"?>
+<?mso-contentType ?>
+<FormTemplates xmlns="http://schemas.microsoft.com/sharepoint/v3/contenttype/forms">
+  <Display>DocumentLibraryForm</Display>
+  <Edit>DocumentLibraryForm</Edit>
+  <New>DocumentLibraryForm</New>
+</FormTemplates>
+</file>
+
+<file path=customXml/item2.xml><?xml version="1.0" encoding="utf-8"?>
+<p:properties xmlns:p="http://schemas.microsoft.com/office/2006/metadata/properties" xmlns:xsi="http://www.w3.org/2001/XMLSchema-instance" xmlns:pc="http://schemas.microsoft.com/office/infopath/2007/PartnerControls">
+  <documentManagement>
+    <_activity xmlns="74c2638e-70d0-4fe8-b552-da195275d8cd" xsi:nil="true"/>
+  </documentManagement>
+</p:properties>
+</file>
+
+<file path=customXml/item3.xml><?xml version="1.0" encoding="utf-8"?>
 <ct:contentTypeSchema xmlns:ct="http://schemas.microsoft.com/office/2006/metadata/contentType" xmlns:ma="http://schemas.microsoft.com/office/2006/metadata/properties/metaAttributes" ct:_="" ma:_="" ma:contentTypeName="Document" ma:contentTypeID="0x010100BC6DB83D9FC7A74391E0BE5D12855147" ma:contentTypeVersion="13" ma:contentTypeDescription="Create a new document." ma:contentTypeScope="" ma:versionID="789e416ea29131618a1025c40b3f7a1e">
   <xsd:schema xmlns:xsd="http://www.w3.org/2001/XMLSchema" xmlns:xs="http://www.w3.org/2001/XMLSchema" xmlns:p="http://schemas.microsoft.com/office/2006/metadata/properties" xmlns:ns3="74c2638e-70d0-4fe8-b552-da195275d8cd" xmlns:ns4="999a2e79-bbf5-40ba-9443-edc7e862ecee" targetNamespace="http://schemas.microsoft.com/office/2006/metadata/properties" ma:root="true" ma:fieldsID="ef45b31c2df87227c8fb8434630cb149" ns3:_="" ns4:_="">
     <xsd:import namespace="74c2638e-70d0-4fe8-b552-da195275d8cd"/>
@@ -19027,38 +19044,10 @@
 </ct:contentTypeSchema>
 </file>
 
-<file path=customXml/item2.xml><?xml version="1.0" encoding="utf-8"?>
-<p:properties xmlns:p="http://schemas.microsoft.com/office/2006/metadata/properties" xmlns:xsi="http://www.w3.org/2001/XMLSchema-instance" xmlns:pc="http://schemas.microsoft.com/office/infopath/2007/PartnerControls">
-  <documentManagement>
-    <_activity xmlns="74c2638e-70d0-4fe8-b552-da195275d8cd" xsi:nil="true"/>
-  </documentManagement>
-</p:properties>
-</file>
-
-<file path=customXml/item3.xml><?xml version="1.0" encoding="utf-8"?>
-<?mso-contentType ?>
-<FormTemplates xmlns="http://schemas.microsoft.com/sharepoint/v3/contenttype/forms">
-  <Display>DocumentLibraryForm</Display>
-  <Edit>DocumentLibraryForm</Edit>
-  <New>DocumentLibraryForm</New>
-</FormTemplates>
-</file>
-
 <file path=customXml/itemProps1.xml><?xml version="1.0" encoding="utf-8"?>
-<ds:datastoreItem xmlns:ds="http://schemas.openxmlformats.org/officeDocument/2006/customXml" ds:itemID="{DB9BCEC9-5DB3-43DF-9C0D-EBF5B32D714E}">
+<ds:datastoreItem xmlns:ds="http://schemas.openxmlformats.org/officeDocument/2006/customXml" ds:itemID="{C21FFAC0-05A2-416A-B06C-C248395482CF}">
   <ds:schemaRefs>
-    <ds:schemaRef ds:uri="http://schemas.microsoft.com/office/2006/metadata/contentType"/>
-    <ds:schemaRef ds:uri="http://schemas.microsoft.com/office/2006/metadata/properties/metaAttributes"/>
-    <ds:schemaRef ds:uri="http://www.w3.org/2001/XMLSchema"/>
-    <ds:schemaRef ds:uri="http://schemas.microsoft.com/office/2006/metadata/properties"/>
-    <ds:schemaRef ds:uri="74c2638e-70d0-4fe8-b552-da195275d8cd"/>
-    <ds:schemaRef ds:uri="999a2e79-bbf5-40ba-9443-edc7e862ecee"/>
-    <ds:schemaRef ds:uri="http://schemas.microsoft.com/office/2006/documentManagement/types"/>
-    <ds:schemaRef ds:uri="http://schemas.microsoft.com/office/infopath/2007/PartnerControls"/>
-    <ds:schemaRef ds:uri="http://schemas.openxmlformats.org/package/2006/metadata/core-properties"/>
-    <ds:schemaRef ds:uri="http://purl.org/dc/elements/1.1/"/>
-    <ds:schemaRef ds:uri="http://purl.org/dc/terms/"/>
-    <ds:schemaRef ds:uri="http://schemas.microsoft.com/internal/obd"/>
+    <ds:schemaRef ds:uri="http://schemas.microsoft.com/sharepoint/v3/contenttype/forms"/>
   </ds:schemaRefs>
 </ds:datastoreItem>
 </file>
@@ -19081,9 +19070,20 @@
 </file>
 
 <file path=customXml/itemProps3.xml><?xml version="1.0" encoding="utf-8"?>
-<ds:datastoreItem xmlns:ds="http://schemas.openxmlformats.org/officeDocument/2006/customXml" ds:itemID="{C21FFAC0-05A2-416A-B06C-C248395482CF}">
+<ds:datastoreItem xmlns:ds="http://schemas.openxmlformats.org/officeDocument/2006/customXml" ds:itemID="{DB9BCEC9-5DB3-43DF-9C0D-EBF5B32D714E}">
   <ds:schemaRefs>
-    <ds:schemaRef ds:uri="http://schemas.microsoft.com/sharepoint/v3/contenttype/forms"/>
+    <ds:schemaRef ds:uri="http://schemas.microsoft.com/office/2006/metadata/contentType"/>
+    <ds:schemaRef ds:uri="http://schemas.microsoft.com/office/2006/metadata/properties/metaAttributes"/>
+    <ds:schemaRef ds:uri="http://www.w3.org/2001/XMLSchema"/>
+    <ds:schemaRef ds:uri="http://schemas.microsoft.com/office/2006/metadata/properties"/>
+    <ds:schemaRef ds:uri="74c2638e-70d0-4fe8-b552-da195275d8cd"/>
+    <ds:schemaRef ds:uri="999a2e79-bbf5-40ba-9443-edc7e862ecee"/>
+    <ds:schemaRef ds:uri="http://schemas.microsoft.com/office/2006/documentManagement/types"/>
+    <ds:schemaRef ds:uri="http://schemas.microsoft.com/office/infopath/2007/PartnerControls"/>
+    <ds:schemaRef ds:uri="http://schemas.openxmlformats.org/package/2006/metadata/core-properties"/>
+    <ds:schemaRef ds:uri="http://purl.org/dc/elements/1.1/"/>
+    <ds:schemaRef ds:uri="http://purl.org/dc/terms/"/>
+    <ds:schemaRef ds:uri="http://schemas.microsoft.com/internal/obd"/>
   </ds:schemaRefs>
 </ds:datastoreItem>
 </file>

--- a/Final Notebooks/TeamI.pptx
+++ b/Final Notebooks/TeamI.pptx
@@ -2065,9 +2065,9 @@
     <dgm:cxn modelId="{5BB16021-90FE-46D0-BC38-9EBFCA30150F}" type="presOf" srcId="{3EE09EF8-1037-4AE6-8773-7CCA7CFCD45F}" destId="{C272EF8A-4BBF-4D16-A876-A0182DFCD779}" srcOrd="0" destOrd="0" presId="urn:microsoft.com/office/officeart/2005/8/layout/vList2"/>
     <dgm:cxn modelId="{C256EB35-6314-4038-BEB1-95EDD0ADAD25}" type="presOf" srcId="{CAA280DD-2BB8-45C4-B032-EE6227826235}" destId="{CF3BC6F1-31A4-4665-8947-F336534D6969}" srcOrd="0" destOrd="0" presId="urn:microsoft.com/office/officeart/2005/8/layout/vList2"/>
     <dgm:cxn modelId="{5A1BD237-316D-46FA-85BF-5C47136579B0}" type="presOf" srcId="{B1103749-B44A-4CAE-BE6C-53453A96C0D9}" destId="{453DDEA1-8A02-4307-A353-90CB99BFCEFB}" srcOrd="0" destOrd="0" presId="urn:microsoft.com/office/officeart/2005/8/layout/vList2"/>
-    <dgm:cxn modelId="{8944425D-0606-4430-B32B-B033E8B80CF0}" srcId="{4721A7DB-C6F6-40C1-A8D2-895EA272182B}" destId="{E9E7C163-943B-4DAE-A87B-F8A1EFC1AF0A}" srcOrd="4" destOrd="0" parTransId="{0C8F2AA9-8FDF-4E76-BC94-5E9E6D5A3C7C}" sibTransId="{0674D0BC-79B7-48CB-A2FB-A9D9622693E3}"/>
     <dgm:cxn modelId="{7F151C49-5970-4E62-871D-6F862FD85F46}" srcId="{4721A7DB-C6F6-40C1-A8D2-895EA272182B}" destId="{3EE09EF8-1037-4AE6-8773-7CCA7CFCD45F}" srcOrd="6" destOrd="0" parTransId="{3481815E-B64C-41F0-9A7C-7E7E6D702994}" sibTransId="{4D473EC3-42CD-458F-93EE-611F803F4B29}"/>
     <dgm:cxn modelId="{E69DDD51-50E0-4EAD-81EF-C3613B17B551}" srcId="{4721A7DB-C6F6-40C1-A8D2-895EA272182B}" destId="{CAA280DD-2BB8-45C4-B032-EE6227826235}" srcOrd="7" destOrd="0" parTransId="{BF73BCFE-E312-4B4E-A1E6-6951ABAFA8B2}" sibTransId="{10FEE7E6-4BF8-487C-BCA0-CA6185218ED7}"/>
+    <dgm:cxn modelId="{8944425D-0606-4430-B32B-B033E8B80CF0}" srcId="{4721A7DB-C6F6-40C1-A8D2-895EA272182B}" destId="{E9E7C163-943B-4DAE-A87B-F8A1EFC1AF0A}" srcOrd="4" destOrd="0" parTransId="{0C8F2AA9-8FDF-4E76-BC94-5E9E6D5A3C7C}" sibTransId="{0674D0BC-79B7-48CB-A2FB-A9D9622693E3}"/>
     <dgm:cxn modelId="{3FB24E90-DCF0-4C65-9A7B-C5148DA8572C}" srcId="{4721A7DB-C6F6-40C1-A8D2-895EA272182B}" destId="{B1103749-B44A-4CAE-BE6C-53453A96C0D9}" srcOrd="1" destOrd="0" parTransId="{DCE7F75C-87BC-47D9-9693-68244309043C}" sibTransId="{0F8D8068-649F-46B3-882F-72ED35146EF2}"/>
     <dgm:cxn modelId="{C2310891-2FC0-4157-ADBA-580DBDCD4E2D}" type="presOf" srcId="{53A4181D-2CB8-4007-94DD-32D687B898AB}" destId="{9E0E0880-F3BD-4B71-A0E1-0982A30F9CAB}" srcOrd="0" destOrd="0" presId="urn:microsoft.com/office/officeart/2005/8/layout/vList2"/>
     <dgm:cxn modelId="{C6EA6796-5829-4466-A472-17769CA21DAC}" type="presOf" srcId="{4D8CA055-D99D-4FE5-B559-DD3D583546D2}" destId="{81E80E99-222C-49DB-AE10-4EAC9DCEE1D3}" srcOrd="0" destOrd="0" presId="urn:microsoft.com/office/officeart/2005/8/layout/vList2"/>
@@ -5895,7 +5895,7 @@
           <a:p>
             <a:fld id="{1EBEDD12-BCD5-485B-BCBC-34BB01D7923C}" type="datetimeFigureOut">
               <a:rPr lang="en-US" smtClean="0"/>
-              <a:t>4/30/2024</a:t>
+              <a:t>5/1/24</a:t>
             </a:fld>
             <a:endParaRPr lang="en-US" dirty="0"/>
           </a:p>
@@ -6109,7 +6109,7 @@
           <a:p>
             <a:fld id="{6EE7A52F-9D89-7442-A8E9-48D1527B5F6B}" type="datetimeFigureOut">
               <a:rPr lang="en-US" smtClean="0"/>
-              <a:t>4/30/2024</a:t>
+              <a:t>5/1/24</a:t>
             </a:fld>
             <a:endParaRPr lang="en-US" dirty="0"/>
           </a:p>
@@ -17716,7 +17716,7 @@
         <p:spPr>
           <a:xfrm>
             <a:off x="3410513" y="-15132"/>
-            <a:ext cx="4224727" cy="2419701"/>
+            <a:ext cx="4224727" cy="2557992"/>
           </a:xfrm>
           <a:prstGeom prst="rect">
             <a:avLst/>
@@ -17751,7 +17751,7 @@
         </p:blipFill>
         <p:spPr>
           <a:xfrm>
-            <a:off x="6355805" y="2433259"/>
+            <a:off x="6356207" y="2542860"/>
             <a:ext cx="2935113" cy="2494382"/>
           </a:xfrm>
           <a:prstGeom prst="rect">
@@ -17823,7 +17823,7 @@
         </p:blipFill>
         <p:spPr>
           <a:xfrm>
-            <a:off x="9270740" y="2349769"/>
+            <a:off x="9282161" y="2542860"/>
             <a:ext cx="2935411" cy="2494382"/>
           </a:xfrm>
           <a:prstGeom prst="rect">
@@ -17869,10 +17869,10 @@
       </p:pic>
       <p:pic>
         <p:nvPicPr>
-          <p:cNvPr id="18" name="Picture 17" descr="A graph of crash on a white background&#10;&#10;Description automatically generated">
+          <p:cNvPr id="3" name="Picture 2" descr="A graph with multiple colored squares&#10;&#10;Description automatically generated">
             <a:extLst>
               <a:ext uri="{FF2B5EF4-FFF2-40B4-BE49-F238E27FC236}">
-                <a16:creationId xmlns:a16="http://schemas.microsoft.com/office/drawing/2014/main" id="{940F65D1-E7C4-BD1A-BF63-B0E084EFFA8C}"/>
+                <a16:creationId xmlns:a16="http://schemas.microsoft.com/office/drawing/2014/main" id="{D0916168-85BB-C884-9B5F-02B0B0CF5F50}"/>
               </a:ext>
             </a:extLst>
           </p:cNvPr>
@@ -17895,8 +17895,8 @@
         </p:blipFill>
         <p:spPr>
           <a:xfrm>
-            <a:off x="67459" y="3166803"/>
-            <a:ext cx="3431494" cy="2741164"/>
+            <a:off x="-1" y="3166802"/>
+            <a:ext cx="3598635" cy="3453091"/>
           </a:xfrm>
           <a:prstGeom prst="rect">
             <a:avLst/>
@@ -17905,10 +17905,10 @@
       </p:pic>
       <p:pic>
         <p:nvPicPr>
-          <p:cNvPr id="20" name="Picture 19" descr="A graph of a crash and crash&#10;&#10;Description automatically generated with medium confidence">
+          <p:cNvPr id="4" name="Picture 3" descr="A graph of a number of different colored squares&#10;&#10;Description automatically generated with medium confidence">
             <a:extLst>
               <a:ext uri="{FF2B5EF4-FFF2-40B4-BE49-F238E27FC236}">
-                <a16:creationId xmlns:a16="http://schemas.microsoft.com/office/drawing/2014/main" id="{B9DA3218-43BF-E1DE-F7A5-0E38CDA0ED12}"/>
+                <a16:creationId xmlns:a16="http://schemas.microsoft.com/office/drawing/2014/main" id="{BE415513-D503-2EFA-0A20-4BA412D91B91}"/>
               </a:ext>
             </a:extLst>
           </p:cNvPr>
@@ -17931,8 +17931,8 @@
         </p:blipFill>
         <p:spPr>
           <a:xfrm>
-            <a:off x="7615749" y="11775"/>
-            <a:ext cx="4556760" cy="2443255"/>
+            <a:off x="7635240" y="-15132"/>
+            <a:ext cx="4555131" cy="2557992"/>
           </a:xfrm>
           <a:prstGeom prst="rect">
             <a:avLst/>
@@ -18809,23 +18809,6 @@
 </file>
 
 <file path=customXml/item1.xml><?xml version="1.0" encoding="utf-8"?>
-<?mso-contentType ?>
-<FormTemplates xmlns="http://schemas.microsoft.com/sharepoint/v3/contenttype/forms">
-  <Display>DocumentLibraryForm</Display>
-  <Edit>DocumentLibraryForm</Edit>
-  <New>DocumentLibraryForm</New>
-</FormTemplates>
-</file>
-
-<file path=customXml/item2.xml><?xml version="1.0" encoding="utf-8"?>
-<p:properties xmlns:p="http://schemas.microsoft.com/office/2006/metadata/properties" xmlns:xsi="http://www.w3.org/2001/XMLSchema-instance" xmlns:pc="http://schemas.microsoft.com/office/infopath/2007/PartnerControls">
-  <documentManagement>
-    <_activity xmlns="74c2638e-70d0-4fe8-b552-da195275d8cd" xsi:nil="true"/>
-  </documentManagement>
-</p:properties>
-</file>
-
-<file path=customXml/item3.xml><?xml version="1.0" encoding="utf-8"?>
 <ct:contentTypeSchema xmlns:ct="http://schemas.microsoft.com/office/2006/metadata/contentType" xmlns:ma="http://schemas.microsoft.com/office/2006/metadata/properties/metaAttributes" ct:_="" ma:_="" ma:contentTypeName="Document" ma:contentTypeID="0x010100BC6DB83D9FC7A74391E0BE5D12855147" ma:contentTypeVersion="13" ma:contentTypeDescription="Create a new document." ma:contentTypeScope="" ma:versionID="789e416ea29131618a1025c40b3f7a1e">
   <xsd:schema xmlns:xsd="http://www.w3.org/2001/XMLSchema" xmlns:xs="http://www.w3.org/2001/XMLSchema" xmlns:p="http://schemas.microsoft.com/office/2006/metadata/properties" xmlns:ns3="74c2638e-70d0-4fe8-b552-da195275d8cd" xmlns:ns4="999a2e79-bbf5-40ba-9443-edc7e862ecee" targetNamespace="http://schemas.microsoft.com/office/2006/metadata/properties" ma:root="true" ma:fieldsID="ef45b31c2df87227c8fb8434630cb149" ns3:_="" ns4:_="">
     <xsd:import namespace="74c2638e-70d0-4fe8-b552-da195275d8cd"/>
@@ -19044,10 +19027,38 @@
 </ct:contentTypeSchema>
 </file>
 
+<file path=customXml/item2.xml><?xml version="1.0" encoding="utf-8"?>
+<p:properties xmlns:p="http://schemas.microsoft.com/office/2006/metadata/properties" xmlns:xsi="http://www.w3.org/2001/XMLSchema-instance" xmlns:pc="http://schemas.microsoft.com/office/infopath/2007/PartnerControls">
+  <documentManagement>
+    <_activity xmlns="74c2638e-70d0-4fe8-b552-da195275d8cd" xsi:nil="true"/>
+  </documentManagement>
+</p:properties>
+</file>
+
+<file path=customXml/item3.xml><?xml version="1.0" encoding="utf-8"?>
+<?mso-contentType ?>
+<FormTemplates xmlns="http://schemas.microsoft.com/sharepoint/v3/contenttype/forms">
+  <Display>DocumentLibraryForm</Display>
+  <Edit>DocumentLibraryForm</Edit>
+  <New>DocumentLibraryForm</New>
+</FormTemplates>
+</file>
+
 <file path=customXml/itemProps1.xml><?xml version="1.0" encoding="utf-8"?>
-<ds:datastoreItem xmlns:ds="http://schemas.openxmlformats.org/officeDocument/2006/customXml" ds:itemID="{C21FFAC0-05A2-416A-B06C-C248395482CF}">
+<ds:datastoreItem xmlns:ds="http://schemas.openxmlformats.org/officeDocument/2006/customXml" ds:itemID="{DB9BCEC9-5DB3-43DF-9C0D-EBF5B32D714E}">
   <ds:schemaRefs>
-    <ds:schemaRef ds:uri="http://schemas.microsoft.com/sharepoint/v3/contenttype/forms"/>
+    <ds:schemaRef ds:uri="http://schemas.microsoft.com/office/2006/metadata/contentType"/>
+    <ds:schemaRef ds:uri="http://schemas.microsoft.com/office/2006/metadata/properties/metaAttributes"/>
+    <ds:schemaRef ds:uri="http://www.w3.org/2001/XMLSchema"/>
+    <ds:schemaRef ds:uri="http://schemas.microsoft.com/office/2006/metadata/properties"/>
+    <ds:schemaRef ds:uri="74c2638e-70d0-4fe8-b552-da195275d8cd"/>
+    <ds:schemaRef ds:uri="999a2e79-bbf5-40ba-9443-edc7e862ecee"/>
+    <ds:schemaRef ds:uri="http://schemas.microsoft.com/office/2006/documentManagement/types"/>
+    <ds:schemaRef ds:uri="http://schemas.microsoft.com/office/infopath/2007/PartnerControls"/>
+    <ds:schemaRef ds:uri="http://schemas.openxmlformats.org/package/2006/metadata/core-properties"/>
+    <ds:schemaRef ds:uri="http://purl.org/dc/elements/1.1/"/>
+    <ds:schemaRef ds:uri="http://purl.org/dc/terms/"/>
+    <ds:schemaRef ds:uri="http://schemas.microsoft.com/internal/obd"/>
   </ds:schemaRefs>
 </ds:datastoreItem>
 </file>
@@ -19070,20 +19081,9 @@
 </file>
 
 <file path=customXml/itemProps3.xml><?xml version="1.0" encoding="utf-8"?>
-<ds:datastoreItem xmlns:ds="http://schemas.openxmlformats.org/officeDocument/2006/customXml" ds:itemID="{DB9BCEC9-5DB3-43DF-9C0D-EBF5B32D714E}">
+<ds:datastoreItem xmlns:ds="http://schemas.openxmlformats.org/officeDocument/2006/customXml" ds:itemID="{C21FFAC0-05A2-416A-B06C-C248395482CF}">
   <ds:schemaRefs>
-    <ds:schemaRef ds:uri="http://schemas.microsoft.com/office/2006/metadata/contentType"/>
-    <ds:schemaRef ds:uri="http://schemas.microsoft.com/office/2006/metadata/properties/metaAttributes"/>
-    <ds:schemaRef ds:uri="http://www.w3.org/2001/XMLSchema"/>
-    <ds:schemaRef ds:uri="http://schemas.microsoft.com/office/2006/metadata/properties"/>
-    <ds:schemaRef ds:uri="74c2638e-70d0-4fe8-b552-da195275d8cd"/>
-    <ds:schemaRef ds:uri="999a2e79-bbf5-40ba-9443-edc7e862ecee"/>
-    <ds:schemaRef ds:uri="http://schemas.microsoft.com/office/2006/documentManagement/types"/>
-    <ds:schemaRef ds:uri="http://schemas.microsoft.com/office/infopath/2007/PartnerControls"/>
-    <ds:schemaRef ds:uri="http://schemas.openxmlformats.org/package/2006/metadata/core-properties"/>
-    <ds:schemaRef ds:uri="http://purl.org/dc/elements/1.1/"/>
-    <ds:schemaRef ds:uri="http://purl.org/dc/terms/"/>
-    <ds:schemaRef ds:uri="http://schemas.microsoft.com/internal/obd"/>
+    <ds:schemaRef ds:uri="http://schemas.microsoft.com/sharepoint/v3/contenttype/forms"/>
   </ds:schemaRefs>
 </ds:datastoreItem>
 </file>

--- a/Final Notebooks/TeamI.pptx
+++ b/Final Notebooks/TeamI.pptx
@@ -5,10 +5,10 @@
     <p:sldMasterId id="2147483658" r:id="rId4"/>
   </p:sldMasterIdLst>
   <p:notesMasterIdLst>
-    <p:notesMasterId r:id="rId18"/>
+    <p:notesMasterId r:id="rId17"/>
   </p:notesMasterIdLst>
   <p:handoutMasterIdLst>
-    <p:handoutMasterId r:id="rId19"/>
+    <p:handoutMasterId r:id="rId18"/>
   </p:handoutMasterIdLst>
   <p:sldIdLst>
     <p:sldId id="410" r:id="rId5"/>
@@ -22,8 +22,7 @@
     <p:sldId id="416" r:id="rId13"/>
     <p:sldId id="415" r:id="rId14"/>
     <p:sldId id="406" r:id="rId15"/>
-    <p:sldId id="404" r:id="rId16"/>
-    <p:sldId id="398" r:id="rId17"/>
+    <p:sldId id="398" r:id="rId16"/>
   </p:sldIdLst>
   <p:sldSz cx="12192000" cy="6858000"/>
   <p:notesSz cx="6858000" cy="9144000"/>
@@ -2065,9 +2064,9 @@
     <dgm:cxn modelId="{5BB16021-90FE-46D0-BC38-9EBFCA30150F}" type="presOf" srcId="{3EE09EF8-1037-4AE6-8773-7CCA7CFCD45F}" destId="{C272EF8A-4BBF-4D16-A876-A0182DFCD779}" srcOrd="0" destOrd="0" presId="urn:microsoft.com/office/officeart/2005/8/layout/vList2"/>
     <dgm:cxn modelId="{C256EB35-6314-4038-BEB1-95EDD0ADAD25}" type="presOf" srcId="{CAA280DD-2BB8-45C4-B032-EE6227826235}" destId="{CF3BC6F1-31A4-4665-8947-F336534D6969}" srcOrd="0" destOrd="0" presId="urn:microsoft.com/office/officeart/2005/8/layout/vList2"/>
     <dgm:cxn modelId="{5A1BD237-316D-46FA-85BF-5C47136579B0}" type="presOf" srcId="{B1103749-B44A-4CAE-BE6C-53453A96C0D9}" destId="{453DDEA1-8A02-4307-A353-90CB99BFCEFB}" srcOrd="0" destOrd="0" presId="urn:microsoft.com/office/officeart/2005/8/layout/vList2"/>
+    <dgm:cxn modelId="{8944425D-0606-4430-B32B-B033E8B80CF0}" srcId="{4721A7DB-C6F6-40C1-A8D2-895EA272182B}" destId="{E9E7C163-943B-4DAE-A87B-F8A1EFC1AF0A}" srcOrd="4" destOrd="0" parTransId="{0C8F2AA9-8FDF-4E76-BC94-5E9E6D5A3C7C}" sibTransId="{0674D0BC-79B7-48CB-A2FB-A9D9622693E3}"/>
     <dgm:cxn modelId="{7F151C49-5970-4E62-871D-6F862FD85F46}" srcId="{4721A7DB-C6F6-40C1-A8D2-895EA272182B}" destId="{3EE09EF8-1037-4AE6-8773-7CCA7CFCD45F}" srcOrd="6" destOrd="0" parTransId="{3481815E-B64C-41F0-9A7C-7E7E6D702994}" sibTransId="{4D473EC3-42CD-458F-93EE-611F803F4B29}"/>
     <dgm:cxn modelId="{E69DDD51-50E0-4EAD-81EF-C3613B17B551}" srcId="{4721A7DB-C6F6-40C1-A8D2-895EA272182B}" destId="{CAA280DD-2BB8-45C4-B032-EE6227826235}" srcOrd="7" destOrd="0" parTransId="{BF73BCFE-E312-4B4E-A1E6-6951ABAFA8B2}" sibTransId="{10FEE7E6-4BF8-487C-BCA0-CA6185218ED7}"/>
-    <dgm:cxn modelId="{8944425D-0606-4430-B32B-B033E8B80CF0}" srcId="{4721A7DB-C6F6-40C1-A8D2-895EA272182B}" destId="{E9E7C163-943B-4DAE-A87B-F8A1EFC1AF0A}" srcOrd="4" destOrd="0" parTransId="{0C8F2AA9-8FDF-4E76-BC94-5E9E6D5A3C7C}" sibTransId="{0674D0BC-79B7-48CB-A2FB-A9D9622693E3}"/>
     <dgm:cxn modelId="{3FB24E90-DCF0-4C65-9A7B-C5148DA8572C}" srcId="{4721A7DB-C6F6-40C1-A8D2-895EA272182B}" destId="{B1103749-B44A-4CAE-BE6C-53453A96C0D9}" srcOrd="1" destOrd="0" parTransId="{DCE7F75C-87BC-47D9-9693-68244309043C}" sibTransId="{0F8D8068-649F-46B3-882F-72ED35146EF2}"/>
     <dgm:cxn modelId="{C2310891-2FC0-4157-ADBA-580DBDCD4E2D}" type="presOf" srcId="{53A4181D-2CB8-4007-94DD-32D687B898AB}" destId="{9E0E0880-F3BD-4B71-A0E1-0982A30F9CAB}" srcOrd="0" destOrd="0" presId="urn:microsoft.com/office/officeart/2005/8/layout/vList2"/>
     <dgm:cxn modelId="{C6EA6796-5829-4466-A472-17769CA21DAC}" type="presOf" srcId="{4D8CA055-D99D-4FE5-B559-DD3D583546D2}" destId="{81E80E99-222C-49DB-AE10-4EAC9DCEE1D3}" srcOrd="0" destOrd="0" presId="urn:microsoft.com/office/officeart/2005/8/layout/vList2"/>
@@ -5895,7 +5894,7 @@
           <a:p>
             <a:fld id="{1EBEDD12-BCD5-485B-BCBC-34BB01D7923C}" type="datetimeFigureOut">
               <a:rPr lang="en-US" smtClean="0"/>
-              <a:t>5/1/24</a:t>
+              <a:t>5/1/2024</a:t>
             </a:fld>
             <a:endParaRPr lang="en-US" dirty="0"/>
           </a:p>
@@ -6109,7 +6108,7 @@
           <a:p>
             <a:fld id="{6EE7A52F-9D89-7442-A8E9-48D1527B5F6B}" type="datetimeFigureOut">
               <a:rPr lang="en-US" smtClean="0"/>
-              <a:t>5/1/24</a:t>
+              <a:t>5/1/2024</a:t>
             </a:fld>
             <a:endParaRPr lang="en-US" dirty="0"/>
           </a:p>
@@ -6526,90 +6525,6 @@
             <a:fld id="{A89C7E07-3C67-C64C-8DA0-0404F6303970}" type="slidenum">
               <a:rPr lang="en-US" smtClean="0"/>
               <a:t>12</a:t>
-            </a:fld>
-            <a:endParaRPr lang="en-US" dirty="0"/>
-          </a:p>
-        </p:txBody>
-      </p:sp>
-    </p:spTree>
-    <p:extLst>
-      <p:ext uri="{BB962C8B-B14F-4D97-AF65-F5344CB8AC3E}">
-        <p14:creationId xmlns:p14="http://schemas.microsoft.com/office/powerpoint/2010/main" val="634596896"/>
-      </p:ext>
-    </p:extLst>
-  </p:cSld>
-  <p:clrMapOvr>
-    <a:masterClrMapping/>
-  </p:clrMapOvr>
-</p:notes>
-</file>
-
-<file path=ppt/notesSlides/notesSlide11.xml><?xml version="1.0" encoding="utf-8"?>
-<p:notes xmlns:a="http://schemas.openxmlformats.org/drawingml/2006/main" xmlns:r="http://schemas.openxmlformats.org/officeDocument/2006/relationships" xmlns:p="http://schemas.openxmlformats.org/presentationml/2006/main">
-  <p:cSld>
-    <p:spTree>
-      <p:nvGrpSpPr>
-        <p:cNvPr id="1" name=""/>
-        <p:cNvGrpSpPr/>
-        <p:nvPr/>
-      </p:nvGrpSpPr>
-      <p:grpSpPr>
-        <a:xfrm>
-          <a:off x="0" y="0"/>
-          <a:ext cx="0" cy="0"/>
-          <a:chOff x="0" y="0"/>
-          <a:chExt cx="0" cy="0"/>
-        </a:xfrm>
-      </p:grpSpPr>
-      <p:sp>
-        <p:nvSpPr>
-          <p:cNvPr id="2" name="Slide Image Placeholder 1"/>
-          <p:cNvSpPr>
-            <a:spLocks noGrp="1" noRot="1" noChangeAspect="1"/>
-          </p:cNvSpPr>
-          <p:nvPr>
-            <p:ph type="sldImg"/>
-          </p:nvPr>
-        </p:nvSpPr>
-        <p:spPr/>
-      </p:sp>
-      <p:sp>
-        <p:nvSpPr>
-          <p:cNvPr id="3" name="Notes Placeholder 2"/>
-          <p:cNvSpPr>
-            <a:spLocks noGrp="1"/>
-          </p:cNvSpPr>
-          <p:nvPr>
-            <p:ph type="body" idx="1"/>
-          </p:nvPr>
-        </p:nvSpPr>
-        <p:spPr/>
-        <p:txBody>
-          <a:bodyPr/>
-          <a:lstStyle/>
-          <a:p>
-            <a:endParaRPr lang="en-US" dirty="0"/>
-          </a:p>
-        </p:txBody>
-      </p:sp>
-      <p:sp>
-        <p:nvSpPr>
-          <p:cNvPr id="4" name="Slide Number Placeholder 3"/>
-          <p:cNvSpPr>
-            <a:spLocks noGrp="1"/>
-          </p:cNvSpPr>
-          <p:nvPr>
-            <p:ph type="sldNum" sz="quarter" idx="5"/>
-          </p:nvPr>
-        </p:nvSpPr>
-        <p:spPr/>
-        <p:txBody>
-          <a:bodyPr/>
-          <a:lstStyle/>
-          <a:p>
-            <a:fld id="{A89C7E07-3C67-C64C-8DA0-0404F6303970}" type="slidenum">
-              <a:rPr lang="en-US" smtClean="0"/>
-              <a:t>13</a:t>
             </a:fld>
             <a:endParaRPr lang="en-US" dirty="0"/>
           </a:p>
@@ -15713,8 +15628,8 @@
         </p:nvSpPr>
         <p:spPr>
           <a:xfrm>
-            <a:off x="251460" y="1305903"/>
-            <a:ext cx="5844540" cy="648628"/>
+            <a:off x="168607" y="697204"/>
+            <a:ext cx="3666274" cy="1358666"/>
           </a:xfrm>
         </p:spPr>
         <p:txBody>
@@ -15730,6 +15645,177 @@
           </a:p>
         </p:txBody>
       </p:sp>
+      <p:grpSp>
+        <p:nvGrpSpPr>
+          <p:cNvPr id="9" name="Group 8">
+            <a:extLst>
+              <a:ext uri="{FF2B5EF4-FFF2-40B4-BE49-F238E27FC236}">
+                <a16:creationId xmlns:a16="http://schemas.microsoft.com/office/drawing/2014/main" id="{CA118AA6-E8BA-AAA0-8E36-D66300F0BCAF}"/>
+              </a:ext>
+            </a:extLst>
+          </p:cNvPr>
+          <p:cNvGrpSpPr/>
+          <p:nvPr/>
+        </p:nvGrpSpPr>
+        <p:grpSpPr>
+          <a:xfrm>
+            <a:off x="0" y="0"/>
+            <a:ext cx="12192000" cy="6858000"/>
+            <a:chOff x="0" y="0"/>
+            <a:chExt cx="12192000" cy="6858000"/>
+          </a:xfrm>
+        </p:grpSpPr>
+        <p:pic>
+          <p:nvPicPr>
+            <p:cNvPr id="3" name="Picture 2" descr="A graph of a graph&#10;&#10;Description automatically generated">
+              <a:extLst>
+                <a:ext uri="{FF2B5EF4-FFF2-40B4-BE49-F238E27FC236}">
+                  <a16:creationId xmlns:a16="http://schemas.microsoft.com/office/drawing/2014/main" id="{BAC36B36-24F8-3C2D-888D-DDDC47FC1DA5}"/>
+                </a:ext>
+              </a:extLst>
+            </p:cNvPr>
+            <p:cNvPicPr>
+              <a:picLocks noChangeAspect="1"/>
+            </p:cNvPicPr>
+            <p:nvPr/>
+          </p:nvPicPr>
+          <p:blipFill>
+            <a:blip r:embed="rId3"/>
+            <a:stretch>
+              <a:fillRect/>
+            </a:stretch>
+          </p:blipFill>
+          <p:spPr>
+            <a:xfrm>
+              <a:off x="3214464" y="0"/>
+              <a:ext cx="3680858" cy="3390383"/>
+            </a:xfrm>
+            <a:prstGeom prst="rect">
+              <a:avLst/>
+            </a:prstGeom>
+          </p:spPr>
+        </p:pic>
+        <p:pic>
+          <p:nvPicPr>
+            <p:cNvPr id="4" name="Picture 3" descr="A graph of blue rectangular bars&#10;&#10;Description automatically generated with medium confidence">
+              <a:extLst>
+                <a:ext uri="{FF2B5EF4-FFF2-40B4-BE49-F238E27FC236}">
+                  <a16:creationId xmlns:a16="http://schemas.microsoft.com/office/drawing/2014/main" id="{74B302AB-6C3B-90CD-C870-54D6B926BBD4}"/>
+                </a:ext>
+              </a:extLst>
+            </p:cNvPr>
+            <p:cNvPicPr>
+              <a:picLocks noChangeAspect="1"/>
+            </p:cNvPicPr>
+            <p:nvPr/>
+          </p:nvPicPr>
+          <p:blipFill>
+            <a:blip r:embed="rId4"/>
+            <a:stretch>
+              <a:fillRect/>
+            </a:stretch>
+          </p:blipFill>
+          <p:spPr>
+            <a:xfrm>
+              <a:off x="6895322" y="9328"/>
+              <a:ext cx="5193385" cy="3649138"/>
+            </a:xfrm>
+            <a:prstGeom prst="rect">
+              <a:avLst/>
+            </a:prstGeom>
+          </p:spPr>
+        </p:pic>
+        <p:pic>
+          <p:nvPicPr>
+            <p:cNvPr id="6" name="Picture 5" descr="A graph with numbers and a bar&#10;&#10;Description automatically generated with medium confidence">
+              <a:extLst>
+                <a:ext uri="{FF2B5EF4-FFF2-40B4-BE49-F238E27FC236}">
+                  <a16:creationId xmlns:a16="http://schemas.microsoft.com/office/drawing/2014/main" id="{574F331A-49FF-FEE0-A47F-D03770CB66BC}"/>
+                </a:ext>
+              </a:extLst>
+            </p:cNvPr>
+            <p:cNvPicPr>
+              <a:picLocks noChangeAspect="1"/>
+            </p:cNvPicPr>
+            <p:nvPr/>
+          </p:nvPicPr>
+          <p:blipFill>
+            <a:blip r:embed="rId5"/>
+            <a:stretch>
+              <a:fillRect/>
+            </a:stretch>
+          </p:blipFill>
+          <p:spPr>
+            <a:xfrm>
+              <a:off x="5006349" y="3844413"/>
+              <a:ext cx="4648951" cy="3004259"/>
+            </a:xfrm>
+            <a:prstGeom prst="rect">
+              <a:avLst/>
+            </a:prstGeom>
+          </p:spPr>
+        </p:pic>
+        <p:pic>
+          <p:nvPicPr>
+            <p:cNvPr id="7" name="Picture 6" descr="A purple square with green and blue squares&#10;&#10;Description automatically generated">
+              <a:extLst>
+                <a:ext uri="{FF2B5EF4-FFF2-40B4-BE49-F238E27FC236}">
+                  <a16:creationId xmlns:a16="http://schemas.microsoft.com/office/drawing/2014/main" id="{3EFEDF14-A0F7-DFCA-A0C1-62A6EB37FC1B}"/>
+                </a:ext>
+              </a:extLst>
+            </p:cNvPr>
+            <p:cNvPicPr>
+              <a:picLocks noChangeAspect="1"/>
+            </p:cNvPicPr>
+            <p:nvPr/>
+          </p:nvPicPr>
+          <p:blipFill>
+            <a:blip r:embed="rId6"/>
+            <a:stretch>
+              <a:fillRect/>
+            </a:stretch>
+          </p:blipFill>
+          <p:spPr>
+            <a:xfrm>
+              <a:off x="0" y="3772938"/>
+              <a:ext cx="4814596" cy="3085062"/>
+            </a:xfrm>
+            <a:prstGeom prst="rect">
+              <a:avLst/>
+            </a:prstGeom>
+          </p:spPr>
+        </p:pic>
+        <p:pic>
+          <p:nvPicPr>
+            <p:cNvPr id="8" name="Picture 7" descr="A pie chart with a number of missing and missing numbers&#10;&#10;Description automatically generated">
+              <a:extLst>
+                <a:ext uri="{FF2B5EF4-FFF2-40B4-BE49-F238E27FC236}">
+                  <a16:creationId xmlns:a16="http://schemas.microsoft.com/office/drawing/2014/main" id="{25DA46D5-DA98-42C4-A8D2-39054DF1C257}"/>
+                </a:ext>
+              </a:extLst>
+            </p:cNvPr>
+            <p:cNvPicPr>
+              <a:picLocks noChangeAspect="1"/>
+            </p:cNvPicPr>
+            <p:nvPr/>
+          </p:nvPicPr>
+          <p:blipFill>
+            <a:blip r:embed="rId7"/>
+            <a:stretch>
+              <a:fillRect/>
+            </a:stretch>
+          </p:blipFill>
+          <p:spPr>
+            <a:xfrm>
+              <a:off x="9439569" y="4080560"/>
+              <a:ext cx="2752431" cy="2673117"/>
+            </a:xfrm>
+            <a:prstGeom prst="rect">
+              <a:avLst/>
+            </a:prstGeom>
+          </p:spPr>
+        </p:pic>
+      </p:grpSp>
     </p:spTree>
     <p:extLst>
       <p:ext uri="{BB962C8B-B14F-4D97-AF65-F5344CB8AC3E}">
@@ -15776,12 +15862,7 @@
             <p:ph type="title"/>
           </p:nvPr>
         </p:nvSpPr>
-        <p:spPr>
-          <a:xfrm>
-            <a:off x="575310" y="278129"/>
-            <a:ext cx="5063490" cy="2354026"/>
-          </a:xfrm>
-        </p:spPr>
+        <p:spPr/>
         <p:txBody>
           <a:bodyPr/>
           <a:lstStyle/>
@@ -15795,10 +15876,10 @@
       </p:sp>
       <p:sp>
         <p:nvSpPr>
-          <p:cNvPr id="3" name="Content Placeholder 2">
+          <p:cNvPr id="7" name="Content Placeholder 6">
             <a:extLst>
               <a:ext uri="{FF2B5EF4-FFF2-40B4-BE49-F238E27FC236}">
-                <a16:creationId xmlns:a16="http://schemas.microsoft.com/office/drawing/2014/main" id="{34F2E863-4A4C-76FE-444A-083F93043389}"/>
+                <a16:creationId xmlns:a16="http://schemas.microsoft.com/office/drawing/2014/main" id="{0D053AA7-703F-7B68-8787-462FF4A5231E}"/>
               </a:ext>
             </a:extLst>
           </p:cNvPr>
@@ -15806,59 +15887,92 @@
             <a:spLocks noGrp="1"/>
           </p:cNvSpPr>
           <p:nvPr>
-            <p:ph sz="quarter" idx="16"/>
+            <p:ph sz="quarter" idx="13"/>
           </p:nvPr>
         </p:nvSpPr>
         <p:spPr>
           <a:xfrm>
-            <a:off x="593725" y="3279775"/>
-            <a:ext cx="5045075" cy="2994025"/>
+            <a:off x="781050" y="2282008"/>
+            <a:ext cx="10687050" cy="3699328"/>
           </a:xfrm>
         </p:spPr>
         <p:txBody>
           <a:bodyPr>
-            <a:normAutofit/>
+            <a:normAutofit fontScale="92500" lnSpcReduction="10000"/>
           </a:bodyPr>
           <a:lstStyle/>
           <a:p>
-            <a:endParaRPr lang="en-US" dirty="0"/>
+            <a:r>
+              <a:rPr lang="en-US" sz="1800" dirty="0">
+                <a:effectLst/>
+                <a:latin typeface="Calibri" panose="020F0502020204030204" pitchFamily="34" charset="0"/>
+                <a:ea typeface="SimSun" panose="02010600030101010101" pitchFamily="2" charset="-122"/>
+              </a:rPr>
+              <a:t>In most of the cases it was drivers’ fault, which was the cause of the incident, pointing out the importance of targeted measures to be taken into action like improving trainings of driving, enhancing traffic laws, and setting up the Advance Drivers Assistance System (ADAS) to reduce human errors on road.</a:t>
+            </a:r>
+            <a:endParaRPr lang="en-IN" sz="1800" dirty="0">
+              <a:effectLst/>
+              <a:latin typeface="Times New Roman" panose="02020603050405020304" pitchFamily="18" charset="0"/>
+              <a:ea typeface="SimSun" panose="02010600030101010101" pitchFamily="2" charset="-122"/>
+            </a:endParaRPr>
+          </a:p>
+          <a:p>
+            <a:r>
+              <a:rPr lang="en-US" sz="1800" dirty="0">
+                <a:latin typeface="Calibri" panose="020F0502020204030204" pitchFamily="34" charset="0"/>
+                <a:ea typeface="SimSun" panose="02010600030101010101" pitchFamily="2" charset="-122"/>
+              </a:rPr>
+              <a:t>E</a:t>
+            </a:r>
+            <a:r>
+              <a:rPr lang="en-US" sz="1800" dirty="0">
+                <a:effectLst/>
+                <a:latin typeface="Calibri" panose="020F0502020204030204" pitchFamily="34" charset="0"/>
+                <a:ea typeface="SimSun" panose="02010600030101010101" pitchFamily="2" charset="-122"/>
+              </a:rPr>
+              <a:t>ven though improper use of any equipment is not the common cause of the accident, the lack of detailed data on this feature points out how important it is to improve functionality of ACRS to track such features.</a:t>
+            </a:r>
+          </a:p>
+          <a:p>
+            <a:r>
+              <a:rPr lang="en-US" sz="1800" dirty="0">
+                <a:effectLst/>
+                <a:latin typeface="Calibri" panose="020F0502020204030204" pitchFamily="34" charset="0"/>
+                <a:ea typeface="SimSun" panose="02010600030101010101" pitchFamily="2" charset="-122"/>
+              </a:rPr>
+              <a:t>Effective road planning and safety precautions are challenged by the lack of data on road characteristics and driver behavior like distraction, despite high count of incidents at crosswalks. </a:t>
+            </a:r>
+          </a:p>
+          <a:p>
+            <a:r>
+              <a:rPr lang="en-US" sz="1800" dirty="0">
+                <a:effectLst/>
+                <a:latin typeface="Calibri" panose="020F0502020204030204" pitchFamily="34" charset="0"/>
+                <a:ea typeface="SimSun" panose="02010600030101010101" pitchFamily="2" charset="-122"/>
+              </a:rPr>
+              <a:t>Future studies should be more focused on developing new procedures and techniques for complete data collection and revised analysis with the goal of making rational choices for traffic control and road planning design.</a:t>
+            </a:r>
+          </a:p>
+          <a:p>
+            <a:r>
+              <a:rPr lang="en-US" sz="1800" dirty="0">
+                <a:effectLst/>
+                <a:latin typeface="Calibri" panose="020F0502020204030204" pitchFamily="34" charset="0"/>
+                <a:ea typeface="SimSun" panose="02010600030101010101" pitchFamily="2" charset="-122"/>
+              </a:rPr>
+              <a:t>Future research should concentrate on using new technologies like Artificial Intelligence to improve the accuracy of handling such collisions data collection and analysis which will contribute to developing evidence-based methods for reducing the frequency of such collisions in future.</a:t>
+            </a:r>
+            <a:endParaRPr lang="en-IN" sz="1800" dirty="0">
+              <a:effectLst/>
+              <a:latin typeface="Times New Roman" panose="02020603050405020304" pitchFamily="18" charset="0"/>
+              <a:ea typeface="SimSun" panose="02010600030101010101" pitchFamily="2" charset="-122"/>
+            </a:endParaRPr>
+          </a:p>
+          <a:p>
+            <a:endParaRPr lang="en-IN" dirty="0"/>
           </a:p>
         </p:txBody>
       </p:sp>
-      <p:pic>
-        <p:nvPicPr>
-          <p:cNvPr id="5" name="Picture Placeholder 52" descr="Hanging lightbulbs">
-            <a:extLst>
-              <a:ext uri="{FF2B5EF4-FFF2-40B4-BE49-F238E27FC236}">
-                <a16:creationId xmlns:a16="http://schemas.microsoft.com/office/drawing/2014/main" id="{F2B2501C-600C-11B3-1ECD-912D988906A5}"/>
-              </a:ext>
-            </a:extLst>
-          </p:cNvPr>
-          <p:cNvPicPr>
-            <a:picLocks noGrp="1" noChangeAspect="1"/>
-          </p:cNvPicPr>
-          <p:nvPr>
-            <p:ph type="pic" sz="quarter" idx="15"/>
-          </p:nvPr>
-        </p:nvPicPr>
-        <p:blipFill>
-          <a:blip r:embed="rId3">
-            <a:extLst>
-              <a:ext uri="{28A0092B-C50C-407E-A947-70E740481C1C}">
-                <a14:useLocalDpi xmlns:a14="http://schemas.microsoft.com/office/drawing/2010/main" val="0"/>
-              </a:ext>
-            </a:extLst>
-          </a:blip>
-          <a:srcRect l="16" r="16"/>
-          <a:stretch/>
-        </p:blipFill>
-        <p:spPr>
-          <a:xfrm>
-            <a:off x="6096000" y="0"/>
-            <a:ext cx="6118225" cy="6858000"/>
-          </a:xfrm>
-        </p:spPr>
-      </p:pic>
     </p:spTree>
     <p:extLst>
       <p:ext uri="{BB962C8B-B14F-4D97-AF65-F5344CB8AC3E}">
@@ -15873,209 +15987,6 @@
 </file>
 
 <file path=ppt/slides/slide12.xml><?xml version="1.0" encoding="utf-8"?>
-<p:sld xmlns:a="http://schemas.openxmlformats.org/drawingml/2006/main" xmlns:r="http://schemas.openxmlformats.org/officeDocument/2006/relationships" xmlns:p="http://schemas.openxmlformats.org/presentationml/2006/main">
-  <p:cSld>
-    <p:spTree>
-      <p:nvGrpSpPr>
-        <p:cNvPr id="1" name=""/>
-        <p:cNvGrpSpPr/>
-        <p:nvPr/>
-      </p:nvGrpSpPr>
-      <p:grpSpPr>
-        <a:xfrm>
-          <a:off x="0" y="0"/>
-          <a:ext cx="0" cy="0"/>
-          <a:chOff x="0" y="0"/>
-          <a:chExt cx="0" cy="0"/>
-        </a:xfrm>
-      </p:grpSpPr>
-      <p:sp>
-        <p:nvSpPr>
-          <p:cNvPr id="2" name="Title 1">
-            <a:extLst>
-              <a:ext uri="{FF2B5EF4-FFF2-40B4-BE49-F238E27FC236}">
-                <a16:creationId xmlns:a16="http://schemas.microsoft.com/office/drawing/2014/main" id="{F0759DC4-8B30-98A0-5BAB-C78BA4A4AD55}"/>
-              </a:ext>
-            </a:extLst>
-          </p:cNvPr>
-          <p:cNvSpPr>
-            <a:spLocks noGrp="1"/>
-          </p:cNvSpPr>
-          <p:nvPr>
-            <p:ph type="title"/>
-          </p:nvPr>
-        </p:nvSpPr>
-        <p:spPr>
-          <a:xfrm>
-            <a:off x="594360" y="198408"/>
-            <a:ext cx="10972800" cy="1574317"/>
-          </a:xfrm>
-        </p:spPr>
-        <p:txBody>
-          <a:bodyPr/>
-          <a:lstStyle/>
-          <a:p>
-            <a:r>
-              <a:rPr lang="en-US" dirty="0"/>
-              <a:t>Future Work</a:t>
-            </a:r>
-          </a:p>
-        </p:txBody>
-      </p:sp>
-      <p:sp>
-        <p:nvSpPr>
-          <p:cNvPr id="3" name="Content Placeholder 2">
-            <a:extLst>
-              <a:ext uri="{FF2B5EF4-FFF2-40B4-BE49-F238E27FC236}">
-                <a16:creationId xmlns:a16="http://schemas.microsoft.com/office/drawing/2014/main" id="{4096FB3A-B62C-3DAB-4FD1-B4EBDD650AEF}"/>
-              </a:ext>
-            </a:extLst>
-          </p:cNvPr>
-          <p:cNvSpPr>
-            <a:spLocks noGrp="1"/>
-          </p:cNvSpPr>
-          <p:nvPr>
-            <p:ph sz="quarter" idx="13"/>
-          </p:nvPr>
-        </p:nvSpPr>
-        <p:spPr>
-          <a:xfrm>
-            <a:off x="595523" y="2676525"/>
-            <a:ext cx="5746750" cy="3597470"/>
-          </a:xfrm>
-        </p:spPr>
-        <p:txBody>
-          <a:bodyPr/>
-          <a:lstStyle/>
-          <a:p>
-            <a:r>
-              <a:rPr lang="en-US" dirty="0"/>
-              <a:t>Consistent rehearsal</a:t>
-            </a:r>
-          </a:p>
-          <a:p>
-            <a:pPr lvl="1"/>
-            <a:r>
-              <a:rPr lang="en-US" dirty="0"/>
-              <a:t>Strengthen your familiarity</a:t>
-            </a:r>
-          </a:p>
-          <a:p>
-            <a:r>
-              <a:rPr lang="en-US" dirty="0"/>
-              <a:t>Refine delivery style</a:t>
-            </a:r>
-          </a:p>
-          <a:p>
-            <a:pPr lvl="1"/>
-            <a:r>
-              <a:rPr lang="en-US" dirty="0"/>
-              <a:t>Pacing, tone, and emphasis</a:t>
-            </a:r>
-          </a:p>
-          <a:p>
-            <a:r>
-              <a:rPr lang="en-US" dirty="0"/>
-              <a:t>Timing and transitions</a:t>
-            </a:r>
-          </a:p>
-          <a:p>
-            <a:pPr lvl="1"/>
-            <a:r>
-              <a:rPr lang="en-US" dirty="0"/>
-              <a:t>Aim for seamless, professional delivery</a:t>
-            </a:r>
-          </a:p>
-          <a:p>
-            <a:r>
-              <a:rPr lang="en-US" dirty="0"/>
-              <a:t>Practice audience</a:t>
-            </a:r>
-          </a:p>
-          <a:p>
-            <a:pPr lvl="1"/>
-            <a:r>
-              <a:rPr lang="en-US" dirty="0"/>
-              <a:t>Enlist colleagues to listen &amp; provide feedback</a:t>
-            </a:r>
-          </a:p>
-          <a:p>
-            <a:pPr lvl="1"/>
-            <a:endParaRPr lang="en-US" dirty="0"/>
-          </a:p>
-        </p:txBody>
-      </p:sp>
-      <p:sp>
-        <p:nvSpPr>
-          <p:cNvPr id="4" name="Content Placeholder 3">
-            <a:extLst>
-              <a:ext uri="{FF2B5EF4-FFF2-40B4-BE49-F238E27FC236}">
-                <a16:creationId xmlns:a16="http://schemas.microsoft.com/office/drawing/2014/main" id="{43E198AA-251D-4446-30C4-8F2FA7F6A72C}"/>
-              </a:ext>
-            </a:extLst>
-          </p:cNvPr>
-          <p:cNvSpPr>
-            <a:spLocks noGrp="1"/>
-          </p:cNvSpPr>
-          <p:nvPr>
-            <p:ph sz="quarter" idx="14"/>
-          </p:nvPr>
-        </p:nvSpPr>
-        <p:spPr>
-          <a:xfrm>
-            <a:off x="7620000" y="2676525"/>
-            <a:ext cx="3947160" cy="3597470"/>
-          </a:xfrm>
-        </p:spPr>
-        <p:txBody>
-          <a:bodyPr/>
-          <a:lstStyle/>
-          <a:p>
-            <a:r>
-              <a:rPr lang="en-US" dirty="0"/>
-              <a:t>Seek feedback</a:t>
-            </a:r>
-          </a:p>
-          <a:p>
-            <a:r>
-              <a:rPr lang="en-US" dirty="0"/>
-              <a:t>Reflect on performance</a:t>
-            </a:r>
-          </a:p>
-          <a:p>
-            <a:r>
-              <a:rPr lang="en-US" dirty="0"/>
-              <a:t>Explore new techniques</a:t>
-            </a:r>
-          </a:p>
-          <a:p>
-            <a:r>
-              <a:rPr lang="en-US" dirty="0"/>
-              <a:t>Set personal goals</a:t>
-            </a:r>
-          </a:p>
-          <a:p>
-            <a:r>
-              <a:rPr lang="en-US" dirty="0"/>
-              <a:t>Iterate and adapt</a:t>
-            </a:r>
-          </a:p>
-        </p:txBody>
-      </p:sp>
-    </p:spTree>
-    <p:extLst>
-      <p:ext uri="{BB962C8B-B14F-4D97-AF65-F5344CB8AC3E}">
-        <p14:creationId xmlns:p14="http://schemas.microsoft.com/office/powerpoint/2010/main" val="1850768898"/>
-      </p:ext>
-    </p:extLst>
-  </p:cSld>
-  <p:clrMapOvr>
-    <a:masterClrMapping/>
-  </p:clrMapOvr>
-</p:sld>
-</file>
-
-<file path=ppt/slides/slide13.xml><?xml version="1.0" encoding="utf-8"?>
 <p:sld xmlns:a="http://schemas.openxmlformats.org/drawingml/2006/main" xmlns:r="http://schemas.openxmlformats.org/officeDocument/2006/relationships" xmlns:p="http://schemas.openxmlformats.org/presentationml/2006/main">
   <p:cSld>
     <p:spTree>
@@ -17636,7 +17547,7 @@
         </p:nvSpPr>
         <p:spPr>
           <a:xfrm>
-            <a:off x="6356207" y="5589270"/>
+            <a:off x="6308582" y="5712007"/>
             <a:ext cx="3382153" cy="537182"/>
           </a:xfrm>
         </p:spPr>
@@ -17653,10 +17564,10 @@
       </p:sp>
       <p:pic>
         <p:nvPicPr>
-          <p:cNvPr id="6" name="Picture 5" descr="A blue and orange circle with text&#10;&#10;Description automatically generated">
+          <p:cNvPr id="8" name="Picture 7" descr="A graph with numbers and colored squares&#10;&#10;Description automatically generated">
             <a:extLst>
               <a:ext uri="{FF2B5EF4-FFF2-40B4-BE49-F238E27FC236}">
-                <a16:creationId xmlns:a16="http://schemas.microsoft.com/office/drawing/2014/main" id="{A4BBC0D6-5124-64C8-B3BA-65B163CDDBC7}"/>
+                <a16:creationId xmlns:a16="http://schemas.microsoft.com/office/drawing/2014/main" id="{1A34B087-82DD-7464-919F-7C1B9151958D}"/>
               </a:ext>
             </a:extLst>
           </p:cNvPr>
@@ -17679,8 +17590,8 @@
         </p:blipFill>
         <p:spPr>
           <a:xfrm>
-            <a:off x="3746944" y="4927641"/>
-            <a:ext cx="1941830" cy="1692253"/>
+            <a:off x="3638552" y="-15132"/>
+            <a:ext cx="4224727" cy="2557992"/>
           </a:xfrm>
           <a:prstGeom prst="rect">
             <a:avLst/>
@@ -17689,10 +17600,10 @@
       </p:pic>
       <p:pic>
         <p:nvPicPr>
-          <p:cNvPr id="8" name="Picture 7" descr="A graph with numbers and colored squares&#10;&#10;Description automatically generated">
+          <p:cNvPr id="10" name="Picture 9" descr="A pie chart with text on it&#10;&#10;Description automatically generated">
             <a:extLst>
               <a:ext uri="{FF2B5EF4-FFF2-40B4-BE49-F238E27FC236}">
-                <a16:creationId xmlns:a16="http://schemas.microsoft.com/office/drawing/2014/main" id="{1A34B087-82DD-7464-919F-7C1B9151958D}"/>
+                <a16:creationId xmlns:a16="http://schemas.microsoft.com/office/drawing/2014/main" id="{B952414E-5D4C-B306-F22A-1CF08920F22C}"/>
               </a:ext>
             </a:extLst>
           </p:cNvPr>
@@ -17715,8 +17626,8 @@
         </p:blipFill>
         <p:spPr>
           <a:xfrm>
-            <a:off x="3410513" y="-15132"/>
-            <a:ext cx="4224727" cy="2557992"/>
+            <a:off x="3876695" y="2675019"/>
+            <a:ext cx="3273657" cy="2782091"/>
           </a:xfrm>
           <a:prstGeom prst="rect">
             <a:avLst/>
@@ -17725,10 +17636,10 @@
       </p:pic>
       <p:pic>
         <p:nvPicPr>
-          <p:cNvPr id="10" name="Picture 9" descr="A pie chart with text on it&#10;&#10;Description automatically generated">
+          <p:cNvPr id="12" name="Picture 11" descr="A graph with numbers and a bar&#10;&#10;Description automatically generated">
             <a:extLst>
               <a:ext uri="{FF2B5EF4-FFF2-40B4-BE49-F238E27FC236}">
-                <a16:creationId xmlns:a16="http://schemas.microsoft.com/office/drawing/2014/main" id="{B952414E-5D4C-B306-F22A-1CF08920F22C}"/>
+                <a16:creationId xmlns:a16="http://schemas.microsoft.com/office/drawing/2014/main" id="{8793BE5A-E1F5-0C1D-BA7A-768393C9F1D7}"/>
               </a:ext>
             </a:extLst>
           </p:cNvPr>
@@ -17751,8 +17662,8 @@
         </p:blipFill>
         <p:spPr>
           <a:xfrm>
-            <a:off x="6356207" y="2542860"/>
-            <a:ext cx="2935113" cy="2494382"/>
+            <a:off x="0" y="23553"/>
+            <a:ext cx="3410513" cy="3143250"/>
           </a:xfrm>
           <a:prstGeom prst="rect">
             <a:avLst/>
@@ -17761,10 +17672,10 @@
       </p:pic>
       <p:pic>
         <p:nvPicPr>
-          <p:cNvPr id="12" name="Picture 11" descr="A graph with numbers and a bar&#10;&#10;Description automatically generated">
+          <p:cNvPr id="16" name="Picture 15" descr="A pie chart with numbers and text&#10;&#10;Description automatically generated">
             <a:extLst>
               <a:ext uri="{FF2B5EF4-FFF2-40B4-BE49-F238E27FC236}">
-                <a16:creationId xmlns:a16="http://schemas.microsoft.com/office/drawing/2014/main" id="{8793BE5A-E1F5-0C1D-BA7A-768393C9F1D7}"/>
+                <a16:creationId xmlns:a16="http://schemas.microsoft.com/office/drawing/2014/main" id="{DE2B6252-F30E-149D-6521-1557C2783AB2}"/>
               </a:ext>
             </a:extLst>
           </p:cNvPr>
@@ -17787,8 +17698,8 @@
         </p:blipFill>
         <p:spPr>
           <a:xfrm>
-            <a:off x="0" y="23553"/>
-            <a:ext cx="3410513" cy="3143250"/>
+            <a:off x="319786" y="3691198"/>
+            <a:ext cx="3452915" cy="2557991"/>
           </a:xfrm>
           <a:prstGeom prst="rect">
             <a:avLst/>
@@ -17797,10 +17708,10 @@
       </p:pic>
       <p:pic>
         <p:nvPicPr>
-          <p:cNvPr id="14" name="Picture 13" descr="A colorful circle with numbers and text&#10;&#10;Description automatically generated with medium confidence">
+          <p:cNvPr id="5" name="Picture 4" descr="A chart of a driver distracted by others&#10;&#10;Description automatically generated">
             <a:extLst>
               <a:ext uri="{FF2B5EF4-FFF2-40B4-BE49-F238E27FC236}">
-                <a16:creationId xmlns:a16="http://schemas.microsoft.com/office/drawing/2014/main" id="{2C6F7320-51D8-9D24-87E3-81E3E5E5D777}"/>
+                <a16:creationId xmlns:a16="http://schemas.microsoft.com/office/drawing/2014/main" id="{9EA6B481-8AFF-AC2B-93C4-57A123F82D64}"/>
               </a:ext>
             </a:extLst>
           </p:cNvPr>
@@ -17810,21 +17721,15 @@
           <p:nvPr/>
         </p:nvPicPr>
         <p:blipFill>
-          <a:blip r:embed="rId7">
-            <a:extLst>
-              <a:ext uri="{28A0092B-C50C-407E-A947-70E740481C1C}">
-                <a14:useLocalDpi xmlns:a14="http://schemas.microsoft.com/office/drawing/2010/main" val="0"/>
-              </a:ext>
-            </a:extLst>
-          </a:blip>
+          <a:blip r:embed="rId7"/>
           <a:stretch>
             <a:fillRect/>
           </a:stretch>
         </p:blipFill>
         <p:spPr>
           <a:xfrm>
-            <a:off x="9282161" y="2542860"/>
-            <a:ext cx="2935411" cy="2494382"/>
+            <a:off x="7863279" y="-15131"/>
+            <a:ext cx="4328721" cy="2557992"/>
           </a:xfrm>
           <a:prstGeom prst="rect">
             <a:avLst/>
@@ -17833,10 +17738,10 @@
       </p:pic>
       <p:pic>
         <p:nvPicPr>
-          <p:cNvPr id="16" name="Picture 15" descr="A pie chart with numbers and text&#10;&#10;Description automatically generated">
+          <p:cNvPr id="7" name="Picture 6" descr="A graph with a blue and green bar&#10;&#10;Description automatically generated">
             <a:extLst>
               <a:ext uri="{FF2B5EF4-FFF2-40B4-BE49-F238E27FC236}">
-                <a16:creationId xmlns:a16="http://schemas.microsoft.com/office/drawing/2014/main" id="{DE2B6252-F30E-149D-6521-1557C2783AB2}"/>
+                <a16:creationId xmlns:a16="http://schemas.microsoft.com/office/drawing/2014/main" id="{01A8E945-5088-8922-7226-424395D625EF}"/>
               </a:ext>
             </a:extLst>
           </p:cNvPr>
@@ -17846,93 +17751,15 @@
           <p:nvPr/>
         </p:nvPicPr>
         <p:blipFill>
-          <a:blip r:embed="rId8">
-            <a:extLst>
-              <a:ext uri="{28A0092B-C50C-407E-A947-70E740481C1C}">
-                <a14:useLocalDpi xmlns:a14="http://schemas.microsoft.com/office/drawing/2010/main" val="0"/>
-              </a:ext>
-            </a:extLst>
-          </a:blip>
+          <a:blip r:embed="rId8"/>
           <a:stretch>
             <a:fillRect/>
           </a:stretch>
         </p:blipFill>
         <p:spPr>
           <a:xfrm>
-            <a:off x="3598635" y="2542860"/>
-            <a:ext cx="2845763" cy="2108200"/>
-          </a:xfrm>
-          <a:prstGeom prst="rect">
-            <a:avLst/>
-          </a:prstGeom>
-        </p:spPr>
-      </p:pic>
-      <p:pic>
-        <p:nvPicPr>
-          <p:cNvPr id="3" name="Picture 2" descr="A graph with multiple colored squares&#10;&#10;Description automatically generated">
-            <a:extLst>
-              <a:ext uri="{FF2B5EF4-FFF2-40B4-BE49-F238E27FC236}">
-                <a16:creationId xmlns:a16="http://schemas.microsoft.com/office/drawing/2014/main" id="{D0916168-85BB-C884-9B5F-02B0B0CF5F50}"/>
-              </a:ext>
-            </a:extLst>
-          </p:cNvPr>
-          <p:cNvPicPr>
-            <a:picLocks noChangeAspect="1"/>
-          </p:cNvPicPr>
-          <p:nvPr/>
-        </p:nvPicPr>
-        <p:blipFill>
-          <a:blip r:embed="rId9">
-            <a:extLst>
-              <a:ext uri="{28A0092B-C50C-407E-A947-70E740481C1C}">
-                <a14:useLocalDpi xmlns:a14="http://schemas.microsoft.com/office/drawing/2010/main" val="0"/>
-              </a:ext>
-            </a:extLst>
-          </a:blip>
-          <a:stretch>
-            <a:fillRect/>
-          </a:stretch>
-        </p:blipFill>
-        <p:spPr>
-          <a:xfrm>
-            <a:off x="-1" y="3166802"/>
-            <a:ext cx="3598635" cy="3453091"/>
-          </a:xfrm>
-          <a:prstGeom prst="rect">
-            <a:avLst/>
-          </a:prstGeom>
-        </p:spPr>
-      </p:pic>
-      <p:pic>
-        <p:nvPicPr>
-          <p:cNvPr id="4" name="Picture 3" descr="A graph of a number of different colored squares&#10;&#10;Description automatically generated with medium confidence">
-            <a:extLst>
-              <a:ext uri="{FF2B5EF4-FFF2-40B4-BE49-F238E27FC236}">
-                <a16:creationId xmlns:a16="http://schemas.microsoft.com/office/drawing/2014/main" id="{BE415513-D503-2EFA-0A20-4BA412D91B91}"/>
-              </a:ext>
-            </a:extLst>
-          </p:cNvPr>
-          <p:cNvPicPr>
-            <a:picLocks noChangeAspect="1"/>
-          </p:cNvPicPr>
-          <p:nvPr/>
-        </p:nvPicPr>
-        <p:blipFill>
-          <a:blip r:embed="rId10">
-            <a:extLst>
-              <a:ext uri="{28A0092B-C50C-407E-A947-70E740481C1C}">
-                <a14:useLocalDpi xmlns:a14="http://schemas.microsoft.com/office/drawing/2010/main" val="0"/>
-              </a:ext>
-            </a:extLst>
-          </a:blip>
-          <a:stretch>
-            <a:fillRect/>
-          </a:stretch>
-        </p:blipFill>
-        <p:spPr>
-          <a:xfrm>
-            <a:off x="7635240" y="-15132"/>
-            <a:ext cx="4555131" cy="2557992"/>
+            <a:off x="7150352" y="2542860"/>
+            <a:ext cx="4937654" cy="2047875"/>
           </a:xfrm>
           <a:prstGeom prst="rect">
             <a:avLst/>
@@ -17987,8 +17814,8 @@
         </p:nvSpPr>
         <p:spPr>
           <a:xfrm>
-            <a:off x="3661409" y="4661717"/>
-            <a:ext cx="7936230" cy="1380760"/>
+            <a:off x="3661409" y="5362575"/>
+            <a:ext cx="6844666" cy="679902"/>
           </a:xfrm>
         </p:spPr>
         <p:txBody>
@@ -18004,6 +17831,126 @@
           </a:p>
         </p:txBody>
       </p:sp>
+      <p:pic>
+        <p:nvPicPr>
+          <p:cNvPr id="3" name="Picture 2" descr="A graph of different colored bars&#10;&#10;Description automatically generated">
+            <a:extLst>
+              <a:ext uri="{FF2B5EF4-FFF2-40B4-BE49-F238E27FC236}">
+                <a16:creationId xmlns:a16="http://schemas.microsoft.com/office/drawing/2014/main" id="{DE7E040D-BBD1-FEAE-8294-1D74623D59E4}"/>
+              </a:ext>
+            </a:extLst>
+          </p:cNvPr>
+          <p:cNvPicPr>
+            <a:picLocks noChangeAspect="1"/>
+          </p:cNvPicPr>
+          <p:nvPr/>
+        </p:nvPicPr>
+        <p:blipFill>
+          <a:blip r:embed="rId3"/>
+          <a:stretch>
+            <a:fillRect/>
+          </a:stretch>
+        </p:blipFill>
+        <p:spPr>
+          <a:xfrm>
+            <a:off x="226695" y="108267"/>
+            <a:ext cx="4573048" cy="3006408"/>
+          </a:xfrm>
+          <a:prstGeom prst="rect">
+            <a:avLst/>
+          </a:prstGeom>
+        </p:spPr>
+      </p:pic>
+      <p:pic>
+        <p:nvPicPr>
+          <p:cNvPr id="4" name="Picture 3" descr="A graph of different colored bars&#10;&#10;Description automatically generated">
+            <a:extLst>
+              <a:ext uri="{FF2B5EF4-FFF2-40B4-BE49-F238E27FC236}">
+                <a16:creationId xmlns:a16="http://schemas.microsoft.com/office/drawing/2014/main" id="{C81B8982-EB0E-856E-FAE7-C6251CE0B443}"/>
+              </a:ext>
+            </a:extLst>
+          </p:cNvPr>
+          <p:cNvPicPr>
+            <a:picLocks noChangeAspect="1"/>
+          </p:cNvPicPr>
+          <p:nvPr/>
+        </p:nvPicPr>
+        <p:blipFill>
+          <a:blip r:embed="rId4"/>
+          <a:stretch>
+            <a:fillRect/>
+          </a:stretch>
+        </p:blipFill>
+        <p:spPr>
+          <a:xfrm>
+            <a:off x="5101589" y="138382"/>
+            <a:ext cx="5055870" cy="2762832"/>
+          </a:xfrm>
+          <a:prstGeom prst="rect">
+            <a:avLst/>
+          </a:prstGeom>
+        </p:spPr>
+      </p:pic>
+      <p:pic>
+        <p:nvPicPr>
+          <p:cNvPr id="5" name="Picture 4" descr="A colorful pie chart with black text&#10;&#10;Description automatically generated">
+            <a:extLst>
+              <a:ext uri="{FF2B5EF4-FFF2-40B4-BE49-F238E27FC236}">
+                <a16:creationId xmlns:a16="http://schemas.microsoft.com/office/drawing/2014/main" id="{C614EFF8-7BF8-B907-4018-CA1AF1B7E93B}"/>
+              </a:ext>
+            </a:extLst>
+          </p:cNvPr>
+          <p:cNvPicPr>
+            <a:picLocks noChangeAspect="1"/>
+          </p:cNvPicPr>
+          <p:nvPr/>
+        </p:nvPicPr>
+        <p:blipFill>
+          <a:blip r:embed="rId5"/>
+          <a:stretch>
+            <a:fillRect/>
+          </a:stretch>
+        </p:blipFill>
+        <p:spPr>
+          <a:xfrm>
+            <a:off x="0" y="3429000"/>
+            <a:ext cx="4799743" cy="2050825"/>
+          </a:xfrm>
+          <a:prstGeom prst="rect">
+            <a:avLst/>
+          </a:prstGeom>
+        </p:spPr>
+      </p:pic>
+      <p:pic>
+        <p:nvPicPr>
+          <p:cNvPr id="6" name="Picture 5" descr="A bar graph with different colored bars&#10;&#10;Description automatically generated">
+            <a:extLst>
+              <a:ext uri="{FF2B5EF4-FFF2-40B4-BE49-F238E27FC236}">
+                <a16:creationId xmlns:a16="http://schemas.microsoft.com/office/drawing/2014/main" id="{775E95C6-C563-ADB5-02C6-8E6F88E2DF81}"/>
+              </a:ext>
+            </a:extLst>
+          </p:cNvPr>
+          <p:cNvPicPr>
+            <a:picLocks noChangeAspect="1"/>
+          </p:cNvPicPr>
+          <p:nvPr/>
+        </p:nvPicPr>
+        <p:blipFill>
+          <a:blip r:embed="rId6"/>
+          <a:stretch>
+            <a:fillRect/>
+          </a:stretch>
+        </p:blipFill>
+        <p:spPr>
+          <a:xfrm>
+            <a:off x="6427470" y="3058237"/>
+            <a:ext cx="5606414" cy="2360777"/>
+          </a:xfrm>
+          <a:prstGeom prst="rect">
+            <a:avLst/>
+          </a:prstGeom>
+        </p:spPr>
+      </p:pic>
     </p:spTree>
     <p:extLst>
       <p:ext uri="{BB962C8B-B14F-4D97-AF65-F5344CB8AC3E}">
@@ -18809,6 +18756,23 @@
 </file>
 
 <file path=customXml/item1.xml><?xml version="1.0" encoding="utf-8"?>
+<?mso-contentType ?>
+<FormTemplates xmlns="http://schemas.microsoft.com/sharepoint/v3/contenttype/forms">
+  <Display>DocumentLibraryForm</Display>
+  <Edit>DocumentLibraryForm</Edit>
+  <New>DocumentLibraryForm</New>
+</FormTemplates>
+</file>
+
+<file path=customXml/item2.xml><?xml version="1.0" encoding="utf-8"?>
+<p:properties xmlns:p="http://schemas.microsoft.com/office/2006/metadata/properties" xmlns:xsi="http://www.w3.org/2001/XMLSchema-instance" xmlns:pc="http://schemas.microsoft.com/office/infopath/2007/PartnerControls">
+  <documentManagement>
+    <_activity xmlns="74c2638e-70d0-4fe8-b552-da195275d8cd" xsi:nil="true"/>
+  </documentManagement>
+</p:properties>
+</file>
+
+<file path=customXml/item3.xml><?xml version="1.0" encoding="utf-8"?>
 <ct:contentTypeSchema xmlns:ct="http://schemas.microsoft.com/office/2006/metadata/contentType" xmlns:ma="http://schemas.microsoft.com/office/2006/metadata/properties/metaAttributes" ct:_="" ma:_="" ma:contentTypeName="Document" ma:contentTypeID="0x010100BC6DB83D9FC7A74391E0BE5D12855147" ma:contentTypeVersion="13" ma:contentTypeDescription="Create a new document." ma:contentTypeScope="" ma:versionID="789e416ea29131618a1025c40b3f7a1e">
   <xsd:schema xmlns:xsd="http://www.w3.org/2001/XMLSchema" xmlns:xs="http://www.w3.org/2001/XMLSchema" xmlns:p="http://schemas.microsoft.com/office/2006/metadata/properties" xmlns:ns3="74c2638e-70d0-4fe8-b552-da195275d8cd" xmlns:ns4="999a2e79-bbf5-40ba-9443-edc7e862ecee" targetNamespace="http://schemas.microsoft.com/office/2006/metadata/properties" ma:root="true" ma:fieldsID="ef45b31c2df87227c8fb8434630cb149" ns3:_="" ns4:_="">
     <xsd:import namespace="74c2638e-70d0-4fe8-b552-da195275d8cd"/>
@@ -19027,38 +18991,10 @@
 </ct:contentTypeSchema>
 </file>
 
-<file path=customXml/item2.xml><?xml version="1.0" encoding="utf-8"?>
-<p:properties xmlns:p="http://schemas.microsoft.com/office/2006/metadata/properties" xmlns:xsi="http://www.w3.org/2001/XMLSchema-instance" xmlns:pc="http://schemas.microsoft.com/office/infopath/2007/PartnerControls">
-  <documentManagement>
-    <_activity xmlns="74c2638e-70d0-4fe8-b552-da195275d8cd" xsi:nil="true"/>
-  </documentManagement>
-</p:properties>
-</file>
-
-<file path=customXml/item3.xml><?xml version="1.0" encoding="utf-8"?>
-<?mso-contentType ?>
-<FormTemplates xmlns="http://schemas.microsoft.com/sharepoint/v3/contenttype/forms">
-  <Display>DocumentLibraryForm</Display>
-  <Edit>DocumentLibraryForm</Edit>
-  <New>DocumentLibraryForm</New>
-</FormTemplates>
-</file>
-
 <file path=customXml/itemProps1.xml><?xml version="1.0" encoding="utf-8"?>
-<ds:datastoreItem xmlns:ds="http://schemas.openxmlformats.org/officeDocument/2006/customXml" ds:itemID="{DB9BCEC9-5DB3-43DF-9C0D-EBF5B32D714E}">
+<ds:datastoreItem xmlns:ds="http://schemas.openxmlformats.org/officeDocument/2006/customXml" ds:itemID="{C21FFAC0-05A2-416A-B06C-C248395482CF}">
   <ds:schemaRefs>
-    <ds:schemaRef ds:uri="http://schemas.microsoft.com/office/2006/metadata/contentType"/>
-    <ds:schemaRef ds:uri="http://schemas.microsoft.com/office/2006/metadata/properties/metaAttributes"/>
-    <ds:schemaRef ds:uri="http://www.w3.org/2001/XMLSchema"/>
-    <ds:schemaRef ds:uri="http://schemas.microsoft.com/office/2006/metadata/properties"/>
-    <ds:schemaRef ds:uri="74c2638e-70d0-4fe8-b552-da195275d8cd"/>
-    <ds:schemaRef ds:uri="999a2e79-bbf5-40ba-9443-edc7e862ecee"/>
-    <ds:schemaRef ds:uri="http://schemas.microsoft.com/office/2006/documentManagement/types"/>
-    <ds:schemaRef ds:uri="http://schemas.microsoft.com/office/infopath/2007/PartnerControls"/>
-    <ds:schemaRef ds:uri="http://schemas.openxmlformats.org/package/2006/metadata/core-properties"/>
-    <ds:schemaRef ds:uri="http://purl.org/dc/elements/1.1/"/>
-    <ds:schemaRef ds:uri="http://purl.org/dc/terms/"/>
-    <ds:schemaRef ds:uri="http://schemas.microsoft.com/internal/obd"/>
+    <ds:schemaRef ds:uri="http://schemas.microsoft.com/sharepoint/v3/contenttype/forms"/>
   </ds:schemaRefs>
 </ds:datastoreItem>
 </file>
@@ -19081,9 +19017,20 @@
 </file>
 
 <file path=customXml/itemProps3.xml><?xml version="1.0" encoding="utf-8"?>
-<ds:datastoreItem xmlns:ds="http://schemas.openxmlformats.org/officeDocument/2006/customXml" ds:itemID="{C21FFAC0-05A2-416A-B06C-C248395482CF}">
+<ds:datastoreItem xmlns:ds="http://schemas.openxmlformats.org/officeDocument/2006/customXml" ds:itemID="{DB9BCEC9-5DB3-43DF-9C0D-EBF5B32D714E}">
   <ds:schemaRefs>
-    <ds:schemaRef ds:uri="http://schemas.microsoft.com/sharepoint/v3/contenttype/forms"/>
+    <ds:schemaRef ds:uri="http://schemas.microsoft.com/office/2006/metadata/contentType"/>
+    <ds:schemaRef ds:uri="http://schemas.microsoft.com/office/2006/metadata/properties/metaAttributes"/>
+    <ds:schemaRef ds:uri="http://www.w3.org/2001/XMLSchema"/>
+    <ds:schemaRef ds:uri="http://schemas.microsoft.com/office/2006/metadata/properties"/>
+    <ds:schemaRef ds:uri="74c2638e-70d0-4fe8-b552-da195275d8cd"/>
+    <ds:schemaRef ds:uri="999a2e79-bbf5-40ba-9443-edc7e862ecee"/>
+    <ds:schemaRef ds:uri="http://schemas.microsoft.com/office/2006/documentManagement/types"/>
+    <ds:schemaRef ds:uri="http://schemas.microsoft.com/office/infopath/2007/PartnerControls"/>
+    <ds:schemaRef ds:uri="http://schemas.openxmlformats.org/package/2006/metadata/core-properties"/>
+    <ds:schemaRef ds:uri="http://purl.org/dc/elements/1.1/"/>
+    <ds:schemaRef ds:uri="http://purl.org/dc/terms/"/>
+    <ds:schemaRef ds:uri="http://schemas.microsoft.com/internal/obd"/>
   </ds:schemaRefs>
 </ds:datastoreItem>
 </file>
